--- a/1. linux网络虚拟化/1.1 network namespace/新建 Microsoft PowerPoint 演示文稿.pptx
+++ b/1. linux网络虚拟化/1.1 network namespace/新建 Microsoft PowerPoint 演示文稿.pptx
@@ -9,6 +9,11 @@
     <p:sldId id="257" r:id="rId3"/>
     <p:sldId id="258" r:id="rId4"/>
     <p:sldId id="259" r:id="rId5"/>
+    <p:sldId id="260" r:id="rId6"/>
+    <p:sldId id="261" r:id="rId7"/>
+    <p:sldId id="262" r:id="rId8"/>
+    <p:sldId id="263" r:id="rId9"/>
+    <p:sldId id="264" r:id="rId10"/>
   </p:sldIdLst>
   <p:sldSz cx="12192000" cy="6858000"/>
   <p:notesSz cx="6858000" cy="9144000"/>
@@ -107,6 +112,11 @@
       </a:defRPr>
     </a:lvl9pPr>
   </p:defaultTextStyle>
+  <p:extLst>
+    <p:ext uri="{EFAFB233-063F-42B5-8137-9DF3F51BA10A}">
+      <p15:sldGuideLst xmlns:p15="http://schemas.microsoft.com/office/powerpoint/2012/main"/>
+    </p:ext>
+  </p:extLst>
 </p:presentation>
 </file>
 
@@ -257,7 +267,7 @@
           <a:p>
             <a:fld id="{FEC601AA-D784-465E-A605-67D8900D99FE}" type="datetimeFigureOut">
               <a:rPr lang="zh-CN" altLang="en-US" smtClean="0"/>
-              <a:t>2021/11/27</a:t>
+              <a:t>2021/11/28</a:t>
             </a:fld>
             <a:endParaRPr lang="zh-CN" altLang="en-US"/>
           </a:p>
@@ -455,7 +465,7 @@
           <a:p>
             <a:fld id="{FEC601AA-D784-465E-A605-67D8900D99FE}" type="datetimeFigureOut">
               <a:rPr lang="zh-CN" altLang="en-US" smtClean="0"/>
-              <a:t>2021/11/27</a:t>
+              <a:t>2021/11/28</a:t>
             </a:fld>
             <a:endParaRPr lang="zh-CN" altLang="en-US"/>
           </a:p>
@@ -663,7 +673,7 @@
           <a:p>
             <a:fld id="{FEC601AA-D784-465E-A605-67D8900D99FE}" type="datetimeFigureOut">
               <a:rPr lang="zh-CN" altLang="en-US" smtClean="0"/>
-              <a:t>2021/11/27</a:t>
+              <a:t>2021/11/28</a:t>
             </a:fld>
             <a:endParaRPr lang="zh-CN" altLang="en-US"/>
           </a:p>
@@ -861,7 +871,7 @@
           <a:p>
             <a:fld id="{FEC601AA-D784-465E-A605-67D8900D99FE}" type="datetimeFigureOut">
               <a:rPr lang="zh-CN" altLang="en-US" smtClean="0"/>
-              <a:t>2021/11/27</a:t>
+              <a:t>2021/11/28</a:t>
             </a:fld>
             <a:endParaRPr lang="zh-CN" altLang="en-US"/>
           </a:p>
@@ -1136,7 +1146,7 @@
           <a:p>
             <a:fld id="{FEC601AA-D784-465E-A605-67D8900D99FE}" type="datetimeFigureOut">
               <a:rPr lang="zh-CN" altLang="en-US" smtClean="0"/>
-              <a:t>2021/11/27</a:t>
+              <a:t>2021/11/28</a:t>
             </a:fld>
             <a:endParaRPr lang="zh-CN" altLang="en-US"/>
           </a:p>
@@ -1401,7 +1411,7 @@
           <a:p>
             <a:fld id="{FEC601AA-D784-465E-A605-67D8900D99FE}" type="datetimeFigureOut">
               <a:rPr lang="zh-CN" altLang="en-US" smtClean="0"/>
-              <a:t>2021/11/27</a:t>
+              <a:t>2021/11/28</a:t>
             </a:fld>
             <a:endParaRPr lang="zh-CN" altLang="en-US"/>
           </a:p>
@@ -1813,7 +1823,7 @@
           <a:p>
             <a:fld id="{FEC601AA-D784-465E-A605-67D8900D99FE}" type="datetimeFigureOut">
               <a:rPr lang="zh-CN" altLang="en-US" smtClean="0"/>
-              <a:t>2021/11/27</a:t>
+              <a:t>2021/11/28</a:t>
             </a:fld>
             <a:endParaRPr lang="zh-CN" altLang="en-US"/>
           </a:p>
@@ -1954,7 +1964,7 @@
           <a:p>
             <a:fld id="{FEC601AA-D784-465E-A605-67D8900D99FE}" type="datetimeFigureOut">
               <a:rPr lang="zh-CN" altLang="en-US" smtClean="0"/>
-              <a:t>2021/11/27</a:t>
+              <a:t>2021/11/28</a:t>
             </a:fld>
             <a:endParaRPr lang="zh-CN" altLang="en-US"/>
           </a:p>
@@ -2067,7 +2077,7 @@
           <a:p>
             <a:fld id="{FEC601AA-D784-465E-A605-67D8900D99FE}" type="datetimeFigureOut">
               <a:rPr lang="zh-CN" altLang="en-US" smtClean="0"/>
-              <a:t>2021/11/27</a:t>
+              <a:t>2021/11/28</a:t>
             </a:fld>
             <a:endParaRPr lang="zh-CN" altLang="en-US"/>
           </a:p>
@@ -2378,7 +2388,7 @@
           <a:p>
             <a:fld id="{FEC601AA-D784-465E-A605-67D8900D99FE}" type="datetimeFigureOut">
               <a:rPr lang="zh-CN" altLang="en-US" smtClean="0"/>
-              <a:t>2021/11/27</a:t>
+              <a:t>2021/11/28</a:t>
             </a:fld>
             <a:endParaRPr lang="zh-CN" altLang="en-US"/>
           </a:p>
@@ -2666,7 +2676,7 @@
           <a:p>
             <a:fld id="{FEC601AA-D784-465E-A605-67D8900D99FE}" type="datetimeFigureOut">
               <a:rPr lang="zh-CN" altLang="en-US" smtClean="0"/>
-              <a:t>2021/11/27</a:t>
+              <a:t>2021/11/28</a:t>
             </a:fld>
             <a:endParaRPr lang="zh-CN" altLang="en-US"/>
           </a:p>
@@ -2907,7 +2917,7 @@
           <a:p>
             <a:fld id="{FEC601AA-D784-465E-A605-67D8900D99FE}" type="datetimeFigureOut">
               <a:rPr lang="zh-CN" altLang="en-US" smtClean="0"/>
-              <a:t>2021/11/27</a:t>
+              <a:t>2021/11/28</a:t>
             </a:fld>
             <a:endParaRPr lang="zh-CN" altLang="en-US"/>
           </a:p>
@@ -5178,6 +5188,4654 @@
 </p:sld>
 </file>
 
+<file path=ppt/slides/slide5.xml><?xml version="1.0" encoding="utf-8"?>
+<p:sld xmlns:a="http://schemas.openxmlformats.org/drawingml/2006/main" xmlns:r="http://schemas.openxmlformats.org/officeDocument/2006/relationships" xmlns:p="http://schemas.openxmlformats.org/presentationml/2006/main">
+  <p:cSld>
+    <p:spTree>
+      <p:nvGrpSpPr>
+        <p:cNvPr id="1" name=""/>
+        <p:cNvGrpSpPr/>
+        <p:nvPr/>
+      </p:nvGrpSpPr>
+      <p:grpSpPr>
+        <a:xfrm>
+          <a:off x="0" y="0"/>
+          <a:ext cx="0" cy="0"/>
+          <a:chOff x="0" y="0"/>
+          <a:chExt cx="0" cy="0"/>
+        </a:xfrm>
+      </p:grpSpPr>
+      <p:sp>
+        <p:nvSpPr>
+          <p:cNvPr id="2" name="矩形 1">
+            <a:extLst>
+              <a:ext uri="{FF2B5EF4-FFF2-40B4-BE49-F238E27FC236}">
+                <a16:creationId xmlns:a16="http://schemas.microsoft.com/office/drawing/2014/main" id="{F2B6259C-D4F6-4BAD-A633-E58CE07B8DAD}"/>
+              </a:ext>
+            </a:extLst>
+          </p:cNvPr>
+          <p:cNvSpPr/>
+          <p:nvPr/>
+        </p:nvSpPr>
+        <p:spPr>
+          <a:xfrm>
+            <a:off x="1872342" y="2220686"/>
+            <a:ext cx="4939005" cy="2978254"/>
+          </a:xfrm>
+          <a:prstGeom prst="rect">
+            <a:avLst/>
+          </a:prstGeom>
+          <a:solidFill>
+            <a:schemeClr val="bg1"/>
+          </a:solidFill>
+          <a:ln>
+            <a:solidFill>
+              <a:schemeClr val="tx1"/>
+            </a:solidFill>
+          </a:ln>
+        </p:spPr>
+        <p:style>
+          <a:lnRef idx="2">
+            <a:schemeClr val="accent1">
+              <a:shade val="50000"/>
+            </a:schemeClr>
+          </a:lnRef>
+          <a:fillRef idx="1">
+            <a:schemeClr val="accent1"/>
+          </a:fillRef>
+          <a:effectRef idx="0">
+            <a:schemeClr val="accent1"/>
+          </a:effectRef>
+          <a:fontRef idx="minor">
+            <a:schemeClr val="lt1"/>
+          </a:fontRef>
+        </p:style>
+        <p:txBody>
+          <a:bodyPr rtlCol="0" anchor="ctr"/>
+          <a:lstStyle/>
+          <a:p>
+            <a:pPr algn="ctr"/>
+            <a:endParaRPr lang="zh-CN" altLang="en-US" dirty="0"/>
+          </a:p>
+        </p:txBody>
+      </p:sp>
+      <p:sp>
+        <p:nvSpPr>
+          <p:cNvPr id="14" name="文本框 13">
+            <a:extLst>
+              <a:ext uri="{FF2B5EF4-FFF2-40B4-BE49-F238E27FC236}">
+                <a16:creationId xmlns:a16="http://schemas.microsoft.com/office/drawing/2014/main" id="{C84EDF58-F679-4452-9D66-CF99AA9DE7DD}"/>
+              </a:ext>
+            </a:extLst>
+          </p:cNvPr>
+          <p:cNvSpPr txBox="1"/>
+          <p:nvPr/>
+        </p:nvSpPr>
+        <p:spPr>
+          <a:xfrm>
+            <a:off x="5452192" y="3567738"/>
+            <a:ext cx="1990530" cy="307777"/>
+          </a:xfrm>
+          <a:prstGeom prst="rect">
+            <a:avLst/>
+          </a:prstGeom>
+          <a:noFill/>
+        </p:spPr>
+        <p:txBody>
+          <a:bodyPr wrap="square" rtlCol="0">
+            <a:spAutoFit/>
+          </a:bodyPr>
+          <a:lstStyle/>
+          <a:p>
+            <a:r>
+              <a:rPr lang="en-US" altLang="zh-CN" sz="1400" dirty="0">
+                <a:solidFill>
+                  <a:schemeClr val="bg1"/>
+                </a:solidFill>
+              </a:rPr>
+              <a:t>Network namespace2</a:t>
+            </a:r>
+            <a:endParaRPr lang="zh-CN" altLang="en-US" sz="1400" dirty="0">
+              <a:solidFill>
+                <a:schemeClr val="bg1"/>
+              </a:solidFill>
+            </a:endParaRPr>
+          </a:p>
+        </p:txBody>
+      </p:sp>
+      <p:sp>
+        <p:nvSpPr>
+          <p:cNvPr id="16" name="矩形 15">
+            <a:extLst>
+              <a:ext uri="{FF2B5EF4-FFF2-40B4-BE49-F238E27FC236}">
+                <a16:creationId xmlns:a16="http://schemas.microsoft.com/office/drawing/2014/main" id="{9A4833B7-2E38-481E-ABF0-98E00E7A3515}"/>
+              </a:ext>
+            </a:extLst>
+          </p:cNvPr>
+          <p:cNvSpPr/>
+          <p:nvPr/>
+        </p:nvSpPr>
+        <p:spPr>
+          <a:xfrm>
+            <a:off x="2481944" y="2385862"/>
+            <a:ext cx="3869094" cy="531510"/>
+          </a:xfrm>
+          <a:prstGeom prst="rect">
+            <a:avLst/>
+          </a:prstGeom>
+        </p:spPr>
+        <p:style>
+          <a:lnRef idx="2">
+            <a:schemeClr val="accent3">
+              <a:shade val="50000"/>
+            </a:schemeClr>
+          </a:lnRef>
+          <a:fillRef idx="1">
+            <a:schemeClr val="accent3"/>
+          </a:fillRef>
+          <a:effectRef idx="0">
+            <a:schemeClr val="accent3"/>
+          </a:effectRef>
+          <a:fontRef idx="minor">
+            <a:schemeClr val="lt1"/>
+          </a:fontRef>
+        </p:style>
+        <p:txBody>
+          <a:bodyPr rtlCol="0" anchor="ctr"/>
+          <a:lstStyle/>
+          <a:p>
+            <a:pPr algn="ctr"/>
+            <a:r>
+              <a:rPr lang="en-US" altLang="zh-CN" dirty="0"/>
+              <a:t>Linux</a:t>
+            </a:r>
+            <a:r>
+              <a:rPr lang="zh-CN" altLang="en-US" dirty="0"/>
+              <a:t>网络协议栈</a:t>
+            </a:r>
+          </a:p>
+        </p:txBody>
+      </p:sp>
+      <p:sp>
+        <p:nvSpPr>
+          <p:cNvPr id="18" name="矩形 17">
+            <a:extLst>
+              <a:ext uri="{FF2B5EF4-FFF2-40B4-BE49-F238E27FC236}">
+                <a16:creationId xmlns:a16="http://schemas.microsoft.com/office/drawing/2014/main" id="{623A9AD4-3FC4-4DAC-A11D-D327C88D68ED}"/>
+              </a:ext>
+            </a:extLst>
+          </p:cNvPr>
+          <p:cNvSpPr/>
+          <p:nvPr/>
+        </p:nvSpPr>
+        <p:spPr>
+          <a:xfrm>
+            <a:off x="4623322" y="3781682"/>
+            <a:ext cx="1362268" cy="531510"/>
+          </a:xfrm>
+          <a:prstGeom prst="rect">
+            <a:avLst/>
+          </a:prstGeom>
+        </p:spPr>
+        <p:style>
+          <a:lnRef idx="2">
+            <a:schemeClr val="accent1">
+              <a:shade val="50000"/>
+            </a:schemeClr>
+          </a:lnRef>
+          <a:fillRef idx="1">
+            <a:schemeClr val="accent1"/>
+          </a:fillRef>
+          <a:effectRef idx="0">
+            <a:schemeClr val="accent1"/>
+          </a:effectRef>
+          <a:fontRef idx="minor">
+            <a:schemeClr val="lt1"/>
+          </a:fontRef>
+        </p:style>
+        <p:txBody>
+          <a:bodyPr rtlCol="0" anchor="ctr"/>
+          <a:lstStyle/>
+          <a:p>
+            <a:pPr algn="ctr"/>
+            <a:r>
+              <a:rPr lang="en-US" altLang="zh-CN" dirty="0"/>
+              <a:t>br0</a:t>
+            </a:r>
+          </a:p>
+        </p:txBody>
+      </p:sp>
+      <p:sp>
+        <p:nvSpPr>
+          <p:cNvPr id="19" name="矩形 18">
+            <a:extLst>
+              <a:ext uri="{FF2B5EF4-FFF2-40B4-BE49-F238E27FC236}">
+                <a16:creationId xmlns:a16="http://schemas.microsoft.com/office/drawing/2014/main" id="{855A26B7-5B1F-42E1-92DA-0019EA227946}"/>
+              </a:ext>
+            </a:extLst>
+          </p:cNvPr>
+          <p:cNvSpPr/>
+          <p:nvPr/>
+        </p:nvSpPr>
+        <p:spPr>
+          <a:xfrm>
+            <a:off x="2481943" y="3781682"/>
+            <a:ext cx="1362268" cy="531510"/>
+          </a:xfrm>
+          <a:prstGeom prst="rect">
+            <a:avLst/>
+          </a:prstGeom>
+        </p:spPr>
+        <p:style>
+          <a:lnRef idx="2">
+            <a:schemeClr val="accent1">
+              <a:shade val="50000"/>
+            </a:schemeClr>
+          </a:lnRef>
+          <a:fillRef idx="1">
+            <a:schemeClr val="accent1"/>
+          </a:fillRef>
+          <a:effectRef idx="0">
+            <a:schemeClr val="accent1"/>
+          </a:effectRef>
+          <a:fontRef idx="minor">
+            <a:schemeClr val="lt1"/>
+          </a:fontRef>
+        </p:style>
+        <p:txBody>
+          <a:bodyPr rtlCol="0" anchor="ctr"/>
+          <a:lstStyle/>
+          <a:p>
+            <a:pPr algn="ctr"/>
+            <a:r>
+              <a:rPr lang="en-US" altLang="zh-CN" dirty="0"/>
+              <a:t>ens33</a:t>
+            </a:r>
+          </a:p>
+        </p:txBody>
+      </p:sp>
+      <p:sp>
+        <p:nvSpPr>
+          <p:cNvPr id="20" name="箭头: 上下 19">
+            <a:extLst>
+              <a:ext uri="{FF2B5EF4-FFF2-40B4-BE49-F238E27FC236}">
+                <a16:creationId xmlns:a16="http://schemas.microsoft.com/office/drawing/2014/main" id="{0F6E1877-FDB2-4C0F-A4C4-70A9EFAE8134}"/>
+              </a:ext>
+            </a:extLst>
+          </p:cNvPr>
+          <p:cNvSpPr/>
+          <p:nvPr/>
+        </p:nvSpPr>
+        <p:spPr>
+          <a:xfrm>
+            <a:off x="5190935" y="2997689"/>
+            <a:ext cx="261257" cy="706978"/>
+          </a:xfrm>
+          <a:prstGeom prst="upDownArrow">
+            <a:avLst/>
+          </a:prstGeom>
+        </p:spPr>
+        <p:style>
+          <a:lnRef idx="2">
+            <a:schemeClr val="accent2">
+              <a:shade val="50000"/>
+            </a:schemeClr>
+          </a:lnRef>
+          <a:fillRef idx="1">
+            <a:schemeClr val="accent2"/>
+          </a:fillRef>
+          <a:effectRef idx="0">
+            <a:schemeClr val="accent2"/>
+          </a:effectRef>
+          <a:fontRef idx="minor">
+            <a:schemeClr val="lt1"/>
+          </a:fontRef>
+        </p:style>
+        <p:txBody>
+          <a:bodyPr rtlCol="0" anchor="ctr"/>
+          <a:lstStyle/>
+          <a:p>
+            <a:pPr algn="ctr"/>
+            <a:endParaRPr lang="zh-CN" altLang="en-US"/>
+          </a:p>
+        </p:txBody>
+      </p:sp>
+      <p:sp>
+        <p:nvSpPr>
+          <p:cNvPr id="21" name="箭头: 上下 20">
+            <a:extLst>
+              <a:ext uri="{FF2B5EF4-FFF2-40B4-BE49-F238E27FC236}">
+                <a16:creationId xmlns:a16="http://schemas.microsoft.com/office/drawing/2014/main" id="{18B0CE65-3654-4211-8FEA-08D0507EF525}"/>
+              </a:ext>
+            </a:extLst>
+          </p:cNvPr>
+          <p:cNvSpPr/>
+          <p:nvPr/>
+        </p:nvSpPr>
+        <p:spPr>
+          <a:xfrm>
+            <a:off x="3006019" y="3001611"/>
+            <a:ext cx="261257" cy="706978"/>
+          </a:xfrm>
+          <a:prstGeom prst="upDownArrow">
+            <a:avLst/>
+          </a:prstGeom>
+        </p:spPr>
+        <p:style>
+          <a:lnRef idx="2">
+            <a:schemeClr val="accent2">
+              <a:shade val="50000"/>
+            </a:schemeClr>
+          </a:lnRef>
+          <a:fillRef idx="1">
+            <a:schemeClr val="accent2"/>
+          </a:fillRef>
+          <a:effectRef idx="0">
+            <a:schemeClr val="accent2"/>
+          </a:effectRef>
+          <a:fontRef idx="minor">
+            <a:schemeClr val="lt1"/>
+          </a:fontRef>
+        </p:style>
+        <p:txBody>
+          <a:bodyPr rtlCol="0" anchor="ctr"/>
+          <a:lstStyle/>
+          <a:p>
+            <a:pPr algn="ctr"/>
+            <a:endParaRPr lang="zh-CN" altLang="en-US"/>
+          </a:p>
+        </p:txBody>
+      </p:sp>
+      <p:sp>
+        <p:nvSpPr>
+          <p:cNvPr id="22" name="箭头: 上下 21">
+            <a:extLst>
+              <a:ext uri="{FF2B5EF4-FFF2-40B4-BE49-F238E27FC236}">
+                <a16:creationId xmlns:a16="http://schemas.microsoft.com/office/drawing/2014/main" id="{D6F69B41-08C1-4A39-9781-EFA5662A493E}"/>
+              </a:ext>
+            </a:extLst>
+          </p:cNvPr>
+          <p:cNvSpPr/>
+          <p:nvPr/>
+        </p:nvSpPr>
+        <p:spPr>
+          <a:xfrm>
+            <a:off x="3032448" y="4463656"/>
+            <a:ext cx="261257" cy="1062818"/>
+          </a:xfrm>
+          <a:prstGeom prst="upDownArrow">
+            <a:avLst/>
+          </a:prstGeom>
+        </p:spPr>
+        <p:style>
+          <a:lnRef idx="2">
+            <a:schemeClr val="accent2">
+              <a:shade val="50000"/>
+            </a:schemeClr>
+          </a:lnRef>
+          <a:fillRef idx="1">
+            <a:schemeClr val="accent2"/>
+          </a:fillRef>
+          <a:effectRef idx="0">
+            <a:schemeClr val="accent2"/>
+          </a:effectRef>
+          <a:fontRef idx="minor">
+            <a:schemeClr val="lt1"/>
+          </a:fontRef>
+        </p:style>
+        <p:txBody>
+          <a:bodyPr rtlCol="0" anchor="ctr"/>
+          <a:lstStyle/>
+          <a:p>
+            <a:pPr algn="ctr"/>
+            <a:endParaRPr lang="zh-CN" altLang="en-US"/>
+          </a:p>
+        </p:txBody>
+      </p:sp>
+      <p:cxnSp>
+        <p:nvCxnSpPr>
+          <p:cNvPr id="11" name="直接连接符 10">
+            <a:extLst>
+              <a:ext uri="{FF2B5EF4-FFF2-40B4-BE49-F238E27FC236}">
+                <a16:creationId xmlns:a16="http://schemas.microsoft.com/office/drawing/2014/main" id="{7898AA81-E201-45E2-84CB-AB572F047112}"/>
+              </a:ext>
+            </a:extLst>
+          </p:cNvPr>
+          <p:cNvCxnSpPr/>
+          <p:nvPr/>
+        </p:nvCxnSpPr>
+        <p:spPr>
+          <a:xfrm>
+            <a:off x="1436918" y="3340360"/>
+            <a:ext cx="7508033" cy="0"/>
+          </a:xfrm>
+          <a:prstGeom prst="line">
+            <a:avLst/>
+          </a:prstGeom>
+          <a:ln w="38100">
+            <a:prstDash val="sysDash"/>
+          </a:ln>
+        </p:spPr>
+        <p:style>
+          <a:lnRef idx="1">
+            <a:schemeClr val="accent6"/>
+          </a:lnRef>
+          <a:fillRef idx="0">
+            <a:schemeClr val="accent6"/>
+          </a:fillRef>
+          <a:effectRef idx="0">
+            <a:schemeClr val="accent6"/>
+          </a:effectRef>
+          <a:fontRef idx="minor">
+            <a:schemeClr val="tx1"/>
+          </a:fontRef>
+        </p:style>
+      </p:cxnSp>
+      <p:sp>
+        <p:nvSpPr>
+          <p:cNvPr id="35" name="矩形 34">
+            <a:extLst>
+              <a:ext uri="{FF2B5EF4-FFF2-40B4-BE49-F238E27FC236}">
+                <a16:creationId xmlns:a16="http://schemas.microsoft.com/office/drawing/2014/main" id="{4D89F8D4-E041-4873-BF13-18EA13D69BF9}"/>
+              </a:ext>
+            </a:extLst>
+          </p:cNvPr>
+          <p:cNvSpPr/>
+          <p:nvPr/>
+        </p:nvSpPr>
+        <p:spPr>
+          <a:xfrm>
+            <a:off x="2481943" y="5621928"/>
+            <a:ext cx="1362268" cy="531510"/>
+          </a:xfrm>
+          <a:prstGeom prst="rect">
+            <a:avLst/>
+          </a:prstGeom>
+        </p:spPr>
+        <p:style>
+          <a:lnRef idx="2">
+            <a:schemeClr val="accent1">
+              <a:shade val="50000"/>
+            </a:schemeClr>
+          </a:lnRef>
+          <a:fillRef idx="1">
+            <a:schemeClr val="accent1"/>
+          </a:fillRef>
+          <a:effectRef idx="0">
+            <a:schemeClr val="accent1"/>
+          </a:effectRef>
+          <a:fontRef idx="minor">
+            <a:schemeClr val="lt1"/>
+          </a:fontRef>
+        </p:style>
+        <p:txBody>
+          <a:bodyPr rtlCol="0" anchor="ctr"/>
+          <a:lstStyle/>
+          <a:p>
+            <a:pPr algn="ctr"/>
+            <a:r>
+              <a:rPr lang="zh-CN" altLang="en-US" dirty="0"/>
+              <a:t>外部网卡</a:t>
+            </a:r>
+            <a:endParaRPr lang="en-US" altLang="zh-CN" dirty="0"/>
+          </a:p>
+        </p:txBody>
+      </p:sp>
+    </p:spTree>
+    <p:extLst>
+      <p:ext uri="{BB962C8B-B14F-4D97-AF65-F5344CB8AC3E}">
+        <p14:creationId xmlns:p14="http://schemas.microsoft.com/office/powerpoint/2010/main" val="3577686120"/>
+      </p:ext>
+    </p:extLst>
+  </p:cSld>
+  <p:clrMapOvr>
+    <a:masterClrMapping/>
+  </p:clrMapOvr>
+</p:sld>
+</file>
+
+<file path=ppt/slides/slide6.xml><?xml version="1.0" encoding="utf-8"?>
+<p:sld xmlns:a="http://schemas.openxmlformats.org/drawingml/2006/main" xmlns:r="http://schemas.openxmlformats.org/officeDocument/2006/relationships" xmlns:p="http://schemas.openxmlformats.org/presentationml/2006/main">
+  <p:cSld>
+    <p:spTree>
+      <p:nvGrpSpPr>
+        <p:cNvPr id="1" name=""/>
+        <p:cNvGrpSpPr/>
+        <p:nvPr/>
+      </p:nvGrpSpPr>
+      <p:grpSpPr>
+        <a:xfrm>
+          <a:off x="0" y="0"/>
+          <a:ext cx="0" cy="0"/>
+          <a:chOff x="0" y="0"/>
+          <a:chExt cx="0" cy="0"/>
+        </a:xfrm>
+      </p:grpSpPr>
+      <p:sp>
+        <p:nvSpPr>
+          <p:cNvPr id="2" name="矩形 1">
+            <a:extLst>
+              <a:ext uri="{FF2B5EF4-FFF2-40B4-BE49-F238E27FC236}">
+                <a16:creationId xmlns:a16="http://schemas.microsoft.com/office/drawing/2014/main" id="{F2B6259C-D4F6-4BAD-A633-E58CE07B8DAD}"/>
+              </a:ext>
+            </a:extLst>
+          </p:cNvPr>
+          <p:cNvSpPr/>
+          <p:nvPr/>
+        </p:nvSpPr>
+        <p:spPr>
+          <a:xfrm>
+            <a:off x="1872342" y="2220686"/>
+            <a:ext cx="8020458" cy="2978254"/>
+          </a:xfrm>
+          <a:prstGeom prst="rect">
+            <a:avLst/>
+          </a:prstGeom>
+          <a:solidFill>
+            <a:schemeClr val="bg1"/>
+          </a:solidFill>
+          <a:ln>
+            <a:solidFill>
+              <a:schemeClr val="tx1"/>
+            </a:solidFill>
+          </a:ln>
+        </p:spPr>
+        <p:style>
+          <a:lnRef idx="2">
+            <a:schemeClr val="accent1">
+              <a:shade val="50000"/>
+            </a:schemeClr>
+          </a:lnRef>
+          <a:fillRef idx="1">
+            <a:schemeClr val="accent1"/>
+          </a:fillRef>
+          <a:effectRef idx="0">
+            <a:schemeClr val="accent1"/>
+          </a:effectRef>
+          <a:fontRef idx="minor">
+            <a:schemeClr val="lt1"/>
+          </a:fontRef>
+        </p:style>
+        <p:txBody>
+          <a:bodyPr rtlCol="0" anchor="ctr"/>
+          <a:lstStyle/>
+          <a:p>
+            <a:pPr algn="ctr"/>
+            <a:endParaRPr lang="zh-CN" altLang="en-US" dirty="0"/>
+          </a:p>
+        </p:txBody>
+      </p:sp>
+      <p:sp>
+        <p:nvSpPr>
+          <p:cNvPr id="14" name="文本框 13">
+            <a:extLst>
+              <a:ext uri="{FF2B5EF4-FFF2-40B4-BE49-F238E27FC236}">
+                <a16:creationId xmlns:a16="http://schemas.microsoft.com/office/drawing/2014/main" id="{C84EDF58-F679-4452-9D66-CF99AA9DE7DD}"/>
+              </a:ext>
+            </a:extLst>
+          </p:cNvPr>
+          <p:cNvSpPr txBox="1"/>
+          <p:nvPr/>
+        </p:nvSpPr>
+        <p:spPr>
+          <a:xfrm>
+            <a:off x="5452192" y="3567738"/>
+            <a:ext cx="1990530" cy="307777"/>
+          </a:xfrm>
+          <a:prstGeom prst="rect">
+            <a:avLst/>
+          </a:prstGeom>
+          <a:noFill/>
+        </p:spPr>
+        <p:txBody>
+          <a:bodyPr wrap="square" rtlCol="0">
+            <a:spAutoFit/>
+          </a:bodyPr>
+          <a:lstStyle/>
+          <a:p>
+            <a:r>
+              <a:rPr lang="en-US" altLang="zh-CN" sz="1400" dirty="0">
+                <a:solidFill>
+                  <a:schemeClr val="bg1"/>
+                </a:solidFill>
+              </a:rPr>
+              <a:t>Network namespace2</a:t>
+            </a:r>
+            <a:endParaRPr lang="zh-CN" altLang="en-US" sz="1400" dirty="0">
+              <a:solidFill>
+                <a:schemeClr val="bg1"/>
+              </a:solidFill>
+            </a:endParaRPr>
+          </a:p>
+        </p:txBody>
+      </p:sp>
+      <p:sp>
+        <p:nvSpPr>
+          <p:cNvPr id="16" name="矩形 15">
+            <a:extLst>
+              <a:ext uri="{FF2B5EF4-FFF2-40B4-BE49-F238E27FC236}">
+                <a16:creationId xmlns:a16="http://schemas.microsoft.com/office/drawing/2014/main" id="{9A4833B7-2E38-481E-ABF0-98E00E7A3515}"/>
+              </a:ext>
+            </a:extLst>
+          </p:cNvPr>
+          <p:cNvSpPr/>
+          <p:nvPr/>
+        </p:nvSpPr>
+        <p:spPr>
+          <a:xfrm>
+            <a:off x="2481944" y="2385862"/>
+            <a:ext cx="6633256" cy="531510"/>
+          </a:xfrm>
+          <a:prstGeom prst="rect">
+            <a:avLst/>
+          </a:prstGeom>
+        </p:spPr>
+        <p:style>
+          <a:lnRef idx="2">
+            <a:schemeClr val="accent3">
+              <a:shade val="50000"/>
+            </a:schemeClr>
+          </a:lnRef>
+          <a:fillRef idx="1">
+            <a:schemeClr val="accent3"/>
+          </a:fillRef>
+          <a:effectRef idx="0">
+            <a:schemeClr val="accent3"/>
+          </a:effectRef>
+          <a:fontRef idx="minor">
+            <a:schemeClr val="lt1"/>
+          </a:fontRef>
+        </p:style>
+        <p:txBody>
+          <a:bodyPr rtlCol="0" anchor="ctr"/>
+          <a:lstStyle/>
+          <a:p>
+            <a:pPr algn="ctr"/>
+            <a:r>
+              <a:rPr lang="en-US" altLang="zh-CN" dirty="0"/>
+              <a:t>Linux</a:t>
+            </a:r>
+            <a:r>
+              <a:rPr lang="zh-CN" altLang="en-US" dirty="0"/>
+              <a:t>网络协议栈</a:t>
+            </a:r>
+          </a:p>
+        </p:txBody>
+      </p:sp>
+      <p:sp>
+        <p:nvSpPr>
+          <p:cNvPr id="18" name="矩形 17">
+            <a:extLst>
+              <a:ext uri="{FF2B5EF4-FFF2-40B4-BE49-F238E27FC236}">
+                <a16:creationId xmlns:a16="http://schemas.microsoft.com/office/drawing/2014/main" id="{623A9AD4-3FC4-4DAC-A11D-D327C88D68ED}"/>
+              </a:ext>
+            </a:extLst>
+          </p:cNvPr>
+          <p:cNvSpPr/>
+          <p:nvPr/>
+        </p:nvSpPr>
+        <p:spPr>
+          <a:xfrm>
+            <a:off x="4623322" y="3781682"/>
+            <a:ext cx="1362268" cy="531510"/>
+          </a:xfrm>
+          <a:prstGeom prst="rect">
+            <a:avLst/>
+          </a:prstGeom>
+        </p:spPr>
+        <p:style>
+          <a:lnRef idx="2">
+            <a:schemeClr val="accent1">
+              <a:shade val="50000"/>
+            </a:schemeClr>
+          </a:lnRef>
+          <a:fillRef idx="1">
+            <a:schemeClr val="accent1"/>
+          </a:fillRef>
+          <a:effectRef idx="0">
+            <a:schemeClr val="accent1"/>
+          </a:effectRef>
+          <a:fontRef idx="minor">
+            <a:schemeClr val="lt1"/>
+          </a:fontRef>
+        </p:style>
+        <p:txBody>
+          <a:bodyPr rtlCol="0" anchor="ctr"/>
+          <a:lstStyle/>
+          <a:p>
+            <a:pPr algn="ctr"/>
+            <a:r>
+              <a:rPr lang="en-US" altLang="zh-CN" dirty="0"/>
+              <a:t>br0</a:t>
+            </a:r>
+          </a:p>
+        </p:txBody>
+      </p:sp>
+      <p:sp>
+        <p:nvSpPr>
+          <p:cNvPr id="19" name="矩形 18">
+            <a:extLst>
+              <a:ext uri="{FF2B5EF4-FFF2-40B4-BE49-F238E27FC236}">
+                <a16:creationId xmlns:a16="http://schemas.microsoft.com/office/drawing/2014/main" id="{855A26B7-5B1F-42E1-92DA-0019EA227946}"/>
+              </a:ext>
+            </a:extLst>
+          </p:cNvPr>
+          <p:cNvSpPr/>
+          <p:nvPr/>
+        </p:nvSpPr>
+        <p:spPr>
+          <a:xfrm>
+            <a:off x="2481943" y="3781682"/>
+            <a:ext cx="1362268" cy="531510"/>
+          </a:xfrm>
+          <a:prstGeom prst="rect">
+            <a:avLst/>
+          </a:prstGeom>
+        </p:spPr>
+        <p:style>
+          <a:lnRef idx="2">
+            <a:schemeClr val="accent1">
+              <a:shade val="50000"/>
+            </a:schemeClr>
+          </a:lnRef>
+          <a:fillRef idx="1">
+            <a:schemeClr val="accent1"/>
+          </a:fillRef>
+          <a:effectRef idx="0">
+            <a:schemeClr val="accent1"/>
+          </a:effectRef>
+          <a:fontRef idx="minor">
+            <a:schemeClr val="lt1"/>
+          </a:fontRef>
+        </p:style>
+        <p:txBody>
+          <a:bodyPr rtlCol="0" anchor="ctr"/>
+          <a:lstStyle/>
+          <a:p>
+            <a:pPr algn="ctr"/>
+            <a:r>
+              <a:rPr lang="en-US" altLang="zh-CN" dirty="0"/>
+              <a:t>ens33</a:t>
+            </a:r>
+          </a:p>
+        </p:txBody>
+      </p:sp>
+      <p:sp>
+        <p:nvSpPr>
+          <p:cNvPr id="20" name="箭头: 上下 19">
+            <a:extLst>
+              <a:ext uri="{FF2B5EF4-FFF2-40B4-BE49-F238E27FC236}">
+                <a16:creationId xmlns:a16="http://schemas.microsoft.com/office/drawing/2014/main" id="{0F6E1877-FDB2-4C0F-A4C4-70A9EFAE8134}"/>
+              </a:ext>
+            </a:extLst>
+          </p:cNvPr>
+          <p:cNvSpPr/>
+          <p:nvPr/>
+        </p:nvSpPr>
+        <p:spPr>
+          <a:xfrm>
+            <a:off x="5190935" y="2997689"/>
+            <a:ext cx="261257" cy="706978"/>
+          </a:xfrm>
+          <a:prstGeom prst="upDownArrow">
+            <a:avLst/>
+          </a:prstGeom>
+        </p:spPr>
+        <p:style>
+          <a:lnRef idx="2">
+            <a:schemeClr val="accent2">
+              <a:shade val="50000"/>
+            </a:schemeClr>
+          </a:lnRef>
+          <a:fillRef idx="1">
+            <a:schemeClr val="accent2"/>
+          </a:fillRef>
+          <a:effectRef idx="0">
+            <a:schemeClr val="accent2"/>
+          </a:effectRef>
+          <a:fontRef idx="minor">
+            <a:schemeClr val="lt1"/>
+          </a:fontRef>
+        </p:style>
+        <p:txBody>
+          <a:bodyPr rtlCol="0" anchor="ctr"/>
+          <a:lstStyle/>
+          <a:p>
+            <a:pPr algn="ctr"/>
+            <a:endParaRPr lang="zh-CN" altLang="en-US"/>
+          </a:p>
+        </p:txBody>
+      </p:sp>
+      <p:sp>
+        <p:nvSpPr>
+          <p:cNvPr id="21" name="箭头: 上下 20">
+            <a:extLst>
+              <a:ext uri="{FF2B5EF4-FFF2-40B4-BE49-F238E27FC236}">
+                <a16:creationId xmlns:a16="http://schemas.microsoft.com/office/drawing/2014/main" id="{18B0CE65-3654-4211-8FEA-08D0507EF525}"/>
+              </a:ext>
+            </a:extLst>
+          </p:cNvPr>
+          <p:cNvSpPr/>
+          <p:nvPr/>
+        </p:nvSpPr>
+        <p:spPr>
+          <a:xfrm>
+            <a:off x="3006019" y="3001611"/>
+            <a:ext cx="261257" cy="706978"/>
+          </a:xfrm>
+          <a:prstGeom prst="upDownArrow">
+            <a:avLst/>
+          </a:prstGeom>
+        </p:spPr>
+        <p:style>
+          <a:lnRef idx="2">
+            <a:schemeClr val="accent2">
+              <a:shade val="50000"/>
+            </a:schemeClr>
+          </a:lnRef>
+          <a:fillRef idx="1">
+            <a:schemeClr val="accent2"/>
+          </a:fillRef>
+          <a:effectRef idx="0">
+            <a:schemeClr val="accent2"/>
+          </a:effectRef>
+          <a:fontRef idx="minor">
+            <a:schemeClr val="lt1"/>
+          </a:fontRef>
+        </p:style>
+        <p:txBody>
+          <a:bodyPr rtlCol="0" anchor="ctr"/>
+          <a:lstStyle/>
+          <a:p>
+            <a:pPr algn="ctr"/>
+            <a:endParaRPr lang="zh-CN" altLang="en-US"/>
+          </a:p>
+        </p:txBody>
+      </p:sp>
+      <p:sp>
+        <p:nvSpPr>
+          <p:cNvPr id="22" name="箭头: 上下 21">
+            <a:extLst>
+              <a:ext uri="{FF2B5EF4-FFF2-40B4-BE49-F238E27FC236}">
+                <a16:creationId xmlns:a16="http://schemas.microsoft.com/office/drawing/2014/main" id="{D6F69B41-08C1-4A39-9781-EFA5662A493E}"/>
+              </a:ext>
+            </a:extLst>
+          </p:cNvPr>
+          <p:cNvSpPr/>
+          <p:nvPr/>
+        </p:nvSpPr>
+        <p:spPr>
+          <a:xfrm>
+            <a:off x="3032448" y="4463656"/>
+            <a:ext cx="261257" cy="1062818"/>
+          </a:xfrm>
+          <a:prstGeom prst="upDownArrow">
+            <a:avLst/>
+          </a:prstGeom>
+        </p:spPr>
+        <p:style>
+          <a:lnRef idx="2">
+            <a:schemeClr val="accent2">
+              <a:shade val="50000"/>
+            </a:schemeClr>
+          </a:lnRef>
+          <a:fillRef idx="1">
+            <a:schemeClr val="accent2"/>
+          </a:fillRef>
+          <a:effectRef idx="0">
+            <a:schemeClr val="accent2"/>
+          </a:effectRef>
+          <a:fontRef idx="minor">
+            <a:schemeClr val="lt1"/>
+          </a:fontRef>
+        </p:style>
+        <p:txBody>
+          <a:bodyPr rtlCol="0" anchor="ctr"/>
+          <a:lstStyle/>
+          <a:p>
+            <a:pPr algn="ctr"/>
+            <a:endParaRPr lang="zh-CN" altLang="en-US"/>
+          </a:p>
+        </p:txBody>
+      </p:sp>
+      <p:cxnSp>
+        <p:nvCxnSpPr>
+          <p:cNvPr id="11" name="直接连接符 10">
+            <a:extLst>
+              <a:ext uri="{FF2B5EF4-FFF2-40B4-BE49-F238E27FC236}">
+                <a16:creationId xmlns:a16="http://schemas.microsoft.com/office/drawing/2014/main" id="{7898AA81-E201-45E2-84CB-AB572F047112}"/>
+              </a:ext>
+            </a:extLst>
+          </p:cNvPr>
+          <p:cNvCxnSpPr>
+            <a:cxnSpLocks/>
+          </p:cNvCxnSpPr>
+          <p:nvPr/>
+        </p:nvCxnSpPr>
+        <p:spPr>
+          <a:xfrm>
+            <a:off x="1436918" y="3340360"/>
+            <a:ext cx="9089482" cy="0"/>
+          </a:xfrm>
+          <a:prstGeom prst="line">
+            <a:avLst/>
+          </a:prstGeom>
+          <a:ln w="38100">
+            <a:prstDash val="sysDash"/>
+          </a:ln>
+        </p:spPr>
+        <p:style>
+          <a:lnRef idx="1">
+            <a:schemeClr val="accent6"/>
+          </a:lnRef>
+          <a:fillRef idx="0">
+            <a:schemeClr val="accent6"/>
+          </a:fillRef>
+          <a:effectRef idx="0">
+            <a:schemeClr val="accent6"/>
+          </a:effectRef>
+          <a:fontRef idx="minor">
+            <a:schemeClr val="tx1"/>
+          </a:fontRef>
+        </p:style>
+      </p:cxnSp>
+      <p:sp>
+        <p:nvSpPr>
+          <p:cNvPr id="35" name="矩形 34">
+            <a:extLst>
+              <a:ext uri="{FF2B5EF4-FFF2-40B4-BE49-F238E27FC236}">
+                <a16:creationId xmlns:a16="http://schemas.microsoft.com/office/drawing/2014/main" id="{4D89F8D4-E041-4873-BF13-18EA13D69BF9}"/>
+              </a:ext>
+            </a:extLst>
+          </p:cNvPr>
+          <p:cNvSpPr/>
+          <p:nvPr/>
+        </p:nvSpPr>
+        <p:spPr>
+          <a:xfrm>
+            <a:off x="2481943" y="5621928"/>
+            <a:ext cx="1362268" cy="531510"/>
+          </a:xfrm>
+          <a:prstGeom prst="rect">
+            <a:avLst/>
+          </a:prstGeom>
+        </p:spPr>
+        <p:style>
+          <a:lnRef idx="2">
+            <a:schemeClr val="accent1">
+              <a:shade val="50000"/>
+            </a:schemeClr>
+          </a:lnRef>
+          <a:fillRef idx="1">
+            <a:schemeClr val="accent1"/>
+          </a:fillRef>
+          <a:effectRef idx="0">
+            <a:schemeClr val="accent1"/>
+          </a:effectRef>
+          <a:fontRef idx="minor">
+            <a:schemeClr val="lt1"/>
+          </a:fontRef>
+        </p:style>
+        <p:txBody>
+          <a:bodyPr rtlCol="0" anchor="ctr"/>
+          <a:lstStyle/>
+          <a:p>
+            <a:pPr algn="ctr"/>
+            <a:r>
+              <a:rPr lang="zh-CN" altLang="en-US" dirty="0"/>
+              <a:t>外部网卡</a:t>
+            </a:r>
+            <a:endParaRPr lang="en-US" altLang="zh-CN" dirty="0"/>
+          </a:p>
+        </p:txBody>
+      </p:sp>
+      <p:sp>
+        <p:nvSpPr>
+          <p:cNvPr id="13" name="矩形 12">
+            <a:extLst>
+              <a:ext uri="{FF2B5EF4-FFF2-40B4-BE49-F238E27FC236}">
+                <a16:creationId xmlns:a16="http://schemas.microsoft.com/office/drawing/2014/main" id="{46A69E47-4850-4A76-8959-BEB213693600}"/>
+              </a:ext>
+            </a:extLst>
+          </p:cNvPr>
+          <p:cNvSpPr/>
+          <p:nvPr/>
+        </p:nvSpPr>
+        <p:spPr>
+          <a:xfrm>
+            <a:off x="8142513" y="3781682"/>
+            <a:ext cx="1362268" cy="531510"/>
+          </a:xfrm>
+          <a:prstGeom prst="rect">
+            <a:avLst/>
+          </a:prstGeom>
+        </p:spPr>
+        <p:style>
+          <a:lnRef idx="2">
+            <a:schemeClr val="accent1">
+              <a:shade val="50000"/>
+            </a:schemeClr>
+          </a:lnRef>
+          <a:fillRef idx="1">
+            <a:schemeClr val="accent1"/>
+          </a:fillRef>
+          <a:effectRef idx="0">
+            <a:schemeClr val="accent1"/>
+          </a:effectRef>
+          <a:fontRef idx="minor">
+            <a:schemeClr val="lt1"/>
+          </a:fontRef>
+        </p:style>
+        <p:txBody>
+          <a:bodyPr rtlCol="0" anchor="ctr"/>
+          <a:lstStyle/>
+          <a:p>
+            <a:pPr algn="ctr"/>
+            <a:r>
+              <a:rPr lang="en-US" altLang="zh-CN" dirty="0"/>
+              <a:t>veth1</a:t>
+            </a:r>
+          </a:p>
+        </p:txBody>
+      </p:sp>
+      <p:sp>
+        <p:nvSpPr>
+          <p:cNvPr id="15" name="矩形 14">
+            <a:extLst>
+              <a:ext uri="{FF2B5EF4-FFF2-40B4-BE49-F238E27FC236}">
+                <a16:creationId xmlns:a16="http://schemas.microsoft.com/office/drawing/2014/main" id="{8155DAED-BBF0-4AA0-BA4D-B883EECC8139}"/>
+              </a:ext>
+            </a:extLst>
+          </p:cNvPr>
+          <p:cNvSpPr/>
+          <p:nvPr/>
+        </p:nvSpPr>
+        <p:spPr>
+          <a:xfrm>
+            <a:off x="6246847" y="3781682"/>
+            <a:ext cx="1362268" cy="531510"/>
+          </a:xfrm>
+          <a:prstGeom prst="rect">
+            <a:avLst/>
+          </a:prstGeom>
+        </p:spPr>
+        <p:style>
+          <a:lnRef idx="2">
+            <a:schemeClr val="accent1">
+              <a:shade val="50000"/>
+            </a:schemeClr>
+          </a:lnRef>
+          <a:fillRef idx="1">
+            <a:schemeClr val="accent1"/>
+          </a:fillRef>
+          <a:effectRef idx="0">
+            <a:schemeClr val="accent1"/>
+          </a:effectRef>
+          <a:fontRef idx="minor">
+            <a:schemeClr val="lt1"/>
+          </a:fontRef>
+        </p:style>
+        <p:txBody>
+          <a:bodyPr rtlCol="0" anchor="ctr"/>
+          <a:lstStyle/>
+          <a:p>
+            <a:pPr algn="ctr"/>
+            <a:r>
+              <a:rPr lang="en-US" altLang="zh-CN" dirty="0"/>
+              <a:t>veth0</a:t>
+            </a:r>
+          </a:p>
+        </p:txBody>
+      </p:sp>
+      <p:sp>
+        <p:nvSpPr>
+          <p:cNvPr id="17" name="箭头: 上下 16">
+            <a:extLst>
+              <a:ext uri="{FF2B5EF4-FFF2-40B4-BE49-F238E27FC236}">
+                <a16:creationId xmlns:a16="http://schemas.microsoft.com/office/drawing/2014/main" id="{F6CBF744-EB58-416E-8C30-6B341EBEC68D}"/>
+              </a:ext>
+            </a:extLst>
+          </p:cNvPr>
+          <p:cNvSpPr/>
+          <p:nvPr/>
+        </p:nvSpPr>
+        <p:spPr>
+          <a:xfrm>
+            <a:off x="8671247" y="3012826"/>
+            <a:ext cx="261257" cy="706978"/>
+          </a:xfrm>
+          <a:prstGeom prst="upDownArrow">
+            <a:avLst/>
+          </a:prstGeom>
+        </p:spPr>
+        <p:style>
+          <a:lnRef idx="2">
+            <a:schemeClr val="accent2">
+              <a:shade val="50000"/>
+            </a:schemeClr>
+          </a:lnRef>
+          <a:fillRef idx="1">
+            <a:schemeClr val="accent2"/>
+          </a:fillRef>
+          <a:effectRef idx="0">
+            <a:schemeClr val="accent2"/>
+          </a:effectRef>
+          <a:fontRef idx="minor">
+            <a:schemeClr val="lt1"/>
+          </a:fontRef>
+        </p:style>
+        <p:txBody>
+          <a:bodyPr rtlCol="0" anchor="ctr"/>
+          <a:lstStyle/>
+          <a:p>
+            <a:pPr algn="ctr"/>
+            <a:endParaRPr lang="zh-CN" altLang="en-US"/>
+          </a:p>
+        </p:txBody>
+      </p:sp>
+      <p:sp>
+        <p:nvSpPr>
+          <p:cNvPr id="23" name="箭头: 上下 22">
+            <a:extLst>
+              <a:ext uri="{FF2B5EF4-FFF2-40B4-BE49-F238E27FC236}">
+                <a16:creationId xmlns:a16="http://schemas.microsoft.com/office/drawing/2014/main" id="{A636DAB1-6FCD-42FD-A78C-F3EEC6E0B215}"/>
+              </a:ext>
+            </a:extLst>
+          </p:cNvPr>
+          <p:cNvSpPr/>
+          <p:nvPr/>
+        </p:nvSpPr>
+        <p:spPr>
+          <a:xfrm>
+            <a:off x="6814460" y="2997689"/>
+            <a:ext cx="261257" cy="706978"/>
+          </a:xfrm>
+          <a:prstGeom prst="upDownArrow">
+            <a:avLst/>
+          </a:prstGeom>
+        </p:spPr>
+        <p:style>
+          <a:lnRef idx="2">
+            <a:schemeClr val="accent2">
+              <a:shade val="50000"/>
+            </a:schemeClr>
+          </a:lnRef>
+          <a:fillRef idx="1">
+            <a:schemeClr val="accent2"/>
+          </a:fillRef>
+          <a:effectRef idx="0">
+            <a:schemeClr val="accent2"/>
+          </a:effectRef>
+          <a:fontRef idx="minor">
+            <a:schemeClr val="lt1"/>
+          </a:fontRef>
+        </p:style>
+        <p:txBody>
+          <a:bodyPr rtlCol="0" anchor="ctr"/>
+          <a:lstStyle/>
+          <a:p>
+            <a:pPr algn="ctr"/>
+            <a:endParaRPr lang="zh-CN" altLang="en-US"/>
+          </a:p>
+        </p:txBody>
+      </p:sp>
+      <p:cxnSp>
+        <p:nvCxnSpPr>
+          <p:cNvPr id="24" name="连接符: 肘形 23">
+            <a:extLst>
+              <a:ext uri="{FF2B5EF4-FFF2-40B4-BE49-F238E27FC236}">
+                <a16:creationId xmlns:a16="http://schemas.microsoft.com/office/drawing/2014/main" id="{8A589C79-3D6E-4280-A71B-B8A20AA87BF2}"/>
+              </a:ext>
+            </a:extLst>
+          </p:cNvPr>
+          <p:cNvCxnSpPr>
+            <a:cxnSpLocks/>
+            <a:stCxn id="15" idx="2"/>
+            <a:endCxn id="13" idx="2"/>
+          </p:cNvCxnSpPr>
+          <p:nvPr/>
+        </p:nvCxnSpPr>
+        <p:spPr>
+          <a:xfrm rot="16200000" flipH="1">
+            <a:off x="7875814" y="3365359"/>
+            <a:ext cx="12700" cy="1895666"/>
+          </a:xfrm>
+          <a:prstGeom prst="bentConnector3">
+            <a:avLst>
+              <a:gd name="adj1" fmla="val 1800000"/>
+            </a:avLst>
+          </a:prstGeom>
+          <a:ln w="12700">
+            <a:prstDash val="sysDot"/>
+            <a:headEnd type="triangle"/>
+            <a:tailEnd type="triangle"/>
+          </a:ln>
+        </p:spPr>
+        <p:style>
+          <a:lnRef idx="1">
+            <a:schemeClr val="accent1"/>
+          </a:lnRef>
+          <a:fillRef idx="0">
+            <a:schemeClr val="accent1"/>
+          </a:fillRef>
+          <a:effectRef idx="0">
+            <a:schemeClr val="accent1"/>
+          </a:effectRef>
+          <a:fontRef idx="minor">
+            <a:schemeClr val="tx1"/>
+          </a:fontRef>
+        </p:style>
+      </p:cxnSp>
+      <p:sp>
+        <p:nvSpPr>
+          <p:cNvPr id="25" name="文本框 24">
+            <a:extLst>
+              <a:ext uri="{FF2B5EF4-FFF2-40B4-BE49-F238E27FC236}">
+                <a16:creationId xmlns:a16="http://schemas.microsoft.com/office/drawing/2014/main" id="{B9B5B60F-87A1-4370-B4B8-49058D98076C}"/>
+              </a:ext>
+            </a:extLst>
+          </p:cNvPr>
+          <p:cNvSpPr txBox="1"/>
+          <p:nvPr/>
+        </p:nvSpPr>
+        <p:spPr>
+          <a:xfrm>
+            <a:off x="6377474" y="4581056"/>
+            <a:ext cx="1250302" cy="369332"/>
+          </a:xfrm>
+          <a:prstGeom prst="rect">
+            <a:avLst/>
+          </a:prstGeom>
+          <a:noFill/>
+        </p:spPr>
+        <p:txBody>
+          <a:bodyPr wrap="square" rtlCol="0">
+            <a:spAutoFit/>
+          </a:bodyPr>
+          <a:lstStyle/>
+          <a:p>
+            <a:r>
+              <a:rPr lang="en-US" altLang="zh-CN" dirty="0"/>
+              <a:t>1.2.3.101</a:t>
+            </a:r>
+            <a:endParaRPr lang="zh-CN" altLang="en-US" dirty="0"/>
+          </a:p>
+        </p:txBody>
+      </p:sp>
+      <p:sp>
+        <p:nvSpPr>
+          <p:cNvPr id="26" name="文本框 25">
+            <a:extLst>
+              <a:ext uri="{FF2B5EF4-FFF2-40B4-BE49-F238E27FC236}">
+                <a16:creationId xmlns:a16="http://schemas.microsoft.com/office/drawing/2014/main" id="{16968228-C13D-4A97-9421-1D8E3B8CCCE0}"/>
+              </a:ext>
+            </a:extLst>
+          </p:cNvPr>
+          <p:cNvSpPr txBox="1"/>
+          <p:nvPr/>
+        </p:nvSpPr>
+        <p:spPr>
+          <a:xfrm>
+            <a:off x="8288695" y="4589461"/>
+            <a:ext cx="1250302" cy="369332"/>
+          </a:xfrm>
+          <a:prstGeom prst="rect">
+            <a:avLst/>
+          </a:prstGeom>
+          <a:noFill/>
+        </p:spPr>
+        <p:txBody>
+          <a:bodyPr wrap="square" rtlCol="0">
+            <a:spAutoFit/>
+          </a:bodyPr>
+          <a:lstStyle/>
+          <a:p>
+            <a:r>
+              <a:rPr lang="en-US" altLang="zh-CN" dirty="0"/>
+              <a:t>1.2.3.102</a:t>
+            </a:r>
+            <a:endParaRPr lang="zh-CN" altLang="en-US" dirty="0"/>
+          </a:p>
+        </p:txBody>
+      </p:sp>
+    </p:spTree>
+    <p:extLst>
+      <p:ext uri="{BB962C8B-B14F-4D97-AF65-F5344CB8AC3E}">
+        <p14:creationId xmlns:p14="http://schemas.microsoft.com/office/powerpoint/2010/main" val="126782499"/>
+      </p:ext>
+    </p:extLst>
+  </p:cSld>
+  <p:clrMapOvr>
+    <a:masterClrMapping/>
+  </p:clrMapOvr>
+</p:sld>
+</file>
+
+<file path=ppt/slides/slide7.xml><?xml version="1.0" encoding="utf-8"?>
+<p:sld xmlns:a="http://schemas.openxmlformats.org/drawingml/2006/main" xmlns:r="http://schemas.openxmlformats.org/officeDocument/2006/relationships" xmlns:p="http://schemas.openxmlformats.org/presentationml/2006/main">
+  <p:cSld>
+    <p:spTree>
+      <p:nvGrpSpPr>
+        <p:cNvPr id="1" name=""/>
+        <p:cNvGrpSpPr/>
+        <p:nvPr/>
+      </p:nvGrpSpPr>
+      <p:grpSpPr>
+        <a:xfrm>
+          <a:off x="0" y="0"/>
+          <a:ext cx="0" cy="0"/>
+          <a:chOff x="0" y="0"/>
+          <a:chExt cx="0" cy="0"/>
+        </a:xfrm>
+      </p:grpSpPr>
+      <p:sp>
+        <p:nvSpPr>
+          <p:cNvPr id="2" name="矩形 1">
+            <a:extLst>
+              <a:ext uri="{FF2B5EF4-FFF2-40B4-BE49-F238E27FC236}">
+                <a16:creationId xmlns:a16="http://schemas.microsoft.com/office/drawing/2014/main" id="{F2B6259C-D4F6-4BAD-A633-E58CE07B8DAD}"/>
+              </a:ext>
+            </a:extLst>
+          </p:cNvPr>
+          <p:cNvSpPr/>
+          <p:nvPr/>
+        </p:nvSpPr>
+        <p:spPr>
+          <a:xfrm>
+            <a:off x="1872342" y="2220686"/>
+            <a:ext cx="8020458" cy="2978254"/>
+          </a:xfrm>
+          <a:prstGeom prst="rect">
+            <a:avLst/>
+          </a:prstGeom>
+          <a:solidFill>
+            <a:schemeClr val="bg1"/>
+          </a:solidFill>
+          <a:ln>
+            <a:solidFill>
+              <a:schemeClr val="tx1"/>
+            </a:solidFill>
+          </a:ln>
+        </p:spPr>
+        <p:style>
+          <a:lnRef idx="2">
+            <a:schemeClr val="accent1">
+              <a:shade val="50000"/>
+            </a:schemeClr>
+          </a:lnRef>
+          <a:fillRef idx="1">
+            <a:schemeClr val="accent1"/>
+          </a:fillRef>
+          <a:effectRef idx="0">
+            <a:schemeClr val="accent1"/>
+          </a:effectRef>
+          <a:fontRef idx="minor">
+            <a:schemeClr val="lt1"/>
+          </a:fontRef>
+        </p:style>
+        <p:txBody>
+          <a:bodyPr rtlCol="0" anchor="ctr"/>
+          <a:lstStyle/>
+          <a:p>
+            <a:pPr algn="ctr"/>
+            <a:endParaRPr lang="zh-CN" altLang="en-US" dirty="0"/>
+          </a:p>
+        </p:txBody>
+      </p:sp>
+      <p:sp>
+        <p:nvSpPr>
+          <p:cNvPr id="14" name="文本框 13">
+            <a:extLst>
+              <a:ext uri="{FF2B5EF4-FFF2-40B4-BE49-F238E27FC236}">
+                <a16:creationId xmlns:a16="http://schemas.microsoft.com/office/drawing/2014/main" id="{C84EDF58-F679-4452-9D66-CF99AA9DE7DD}"/>
+              </a:ext>
+            </a:extLst>
+          </p:cNvPr>
+          <p:cNvSpPr txBox="1"/>
+          <p:nvPr/>
+        </p:nvSpPr>
+        <p:spPr>
+          <a:xfrm>
+            <a:off x="5452192" y="3567738"/>
+            <a:ext cx="1990530" cy="307777"/>
+          </a:xfrm>
+          <a:prstGeom prst="rect">
+            <a:avLst/>
+          </a:prstGeom>
+          <a:noFill/>
+        </p:spPr>
+        <p:txBody>
+          <a:bodyPr wrap="square" rtlCol="0">
+            <a:spAutoFit/>
+          </a:bodyPr>
+          <a:lstStyle/>
+          <a:p>
+            <a:r>
+              <a:rPr lang="en-US" altLang="zh-CN" sz="1400" dirty="0">
+                <a:solidFill>
+                  <a:schemeClr val="bg1"/>
+                </a:solidFill>
+              </a:rPr>
+              <a:t>Network namespace2</a:t>
+            </a:r>
+            <a:endParaRPr lang="zh-CN" altLang="en-US" sz="1400" dirty="0">
+              <a:solidFill>
+                <a:schemeClr val="bg1"/>
+              </a:solidFill>
+            </a:endParaRPr>
+          </a:p>
+        </p:txBody>
+      </p:sp>
+      <p:sp>
+        <p:nvSpPr>
+          <p:cNvPr id="16" name="矩形 15">
+            <a:extLst>
+              <a:ext uri="{FF2B5EF4-FFF2-40B4-BE49-F238E27FC236}">
+                <a16:creationId xmlns:a16="http://schemas.microsoft.com/office/drawing/2014/main" id="{9A4833B7-2E38-481E-ABF0-98E00E7A3515}"/>
+              </a:ext>
+            </a:extLst>
+          </p:cNvPr>
+          <p:cNvSpPr/>
+          <p:nvPr/>
+        </p:nvSpPr>
+        <p:spPr>
+          <a:xfrm>
+            <a:off x="2481944" y="2385862"/>
+            <a:ext cx="6633256" cy="531510"/>
+          </a:xfrm>
+          <a:prstGeom prst="rect">
+            <a:avLst/>
+          </a:prstGeom>
+        </p:spPr>
+        <p:style>
+          <a:lnRef idx="2">
+            <a:schemeClr val="accent3">
+              <a:shade val="50000"/>
+            </a:schemeClr>
+          </a:lnRef>
+          <a:fillRef idx="1">
+            <a:schemeClr val="accent3"/>
+          </a:fillRef>
+          <a:effectRef idx="0">
+            <a:schemeClr val="accent3"/>
+          </a:effectRef>
+          <a:fontRef idx="minor">
+            <a:schemeClr val="lt1"/>
+          </a:fontRef>
+        </p:style>
+        <p:txBody>
+          <a:bodyPr rtlCol="0" anchor="ctr"/>
+          <a:lstStyle/>
+          <a:p>
+            <a:pPr algn="ctr"/>
+            <a:r>
+              <a:rPr lang="en-US" altLang="zh-CN" dirty="0"/>
+              <a:t>Linux</a:t>
+            </a:r>
+            <a:r>
+              <a:rPr lang="zh-CN" altLang="en-US" dirty="0"/>
+              <a:t>网络协议栈</a:t>
+            </a:r>
+          </a:p>
+        </p:txBody>
+      </p:sp>
+      <p:sp>
+        <p:nvSpPr>
+          <p:cNvPr id="18" name="矩形 17">
+            <a:extLst>
+              <a:ext uri="{FF2B5EF4-FFF2-40B4-BE49-F238E27FC236}">
+                <a16:creationId xmlns:a16="http://schemas.microsoft.com/office/drawing/2014/main" id="{623A9AD4-3FC4-4DAC-A11D-D327C88D68ED}"/>
+              </a:ext>
+            </a:extLst>
+          </p:cNvPr>
+          <p:cNvSpPr/>
+          <p:nvPr/>
+        </p:nvSpPr>
+        <p:spPr>
+          <a:xfrm>
+            <a:off x="4076709" y="3788032"/>
+            <a:ext cx="1362268" cy="531510"/>
+          </a:xfrm>
+          <a:prstGeom prst="rect">
+            <a:avLst/>
+          </a:prstGeom>
+        </p:spPr>
+        <p:style>
+          <a:lnRef idx="2">
+            <a:schemeClr val="accent1">
+              <a:shade val="50000"/>
+            </a:schemeClr>
+          </a:lnRef>
+          <a:fillRef idx="1">
+            <a:schemeClr val="accent1"/>
+          </a:fillRef>
+          <a:effectRef idx="0">
+            <a:schemeClr val="accent1"/>
+          </a:effectRef>
+          <a:fontRef idx="minor">
+            <a:schemeClr val="lt1"/>
+          </a:fontRef>
+        </p:style>
+        <p:txBody>
+          <a:bodyPr rtlCol="0" anchor="ctr"/>
+          <a:lstStyle/>
+          <a:p>
+            <a:pPr algn="ctr"/>
+            <a:r>
+              <a:rPr lang="en-US" altLang="zh-CN" dirty="0"/>
+              <a:t>br0</a:t>
+            </a:r>
+          </a:p>
+        </p:txBody>
+      </p:sp>
+      <p:sp>
+        <p:nvSpPr>
+          <p:cNvPr id="19" name="矩形 18">
+            <a:extLst>
+              <a:ext uri="{FF2B5EF4-FFF2-40B4-BE49-F238E27FC236}">
+                <a16:creationId xmlns:a16="http://schemas.microsoft.com/office/drawing/2014/main" id="{855A26B7-5B1F-42E1-92DA-0019EA227946}"/>
+              </a:ext>
+            </a:extLst>
+          </p:cNvPr>
+          <p:cNvSpPr/>
+          <p:nvPr/>
+        </p:nvSpPr>
+        <p:spPr>
+          <a:xfrm>
+            <a:off x="2481943" y="3781682"/>
+            <a:ext cx="1362268" cy="531510"/>
+          </a:xfrm>
+          <a:prstGeom prst="rect">
+            <a:avLst/>
+          </a:prstGeom>
+        </p:spPr>
+        <p:style>
+          <a:lnRef idx="2">
+            <a:schemeClr val="accent1">
+              <a:shade val="50000"/>
+            </a:schemeClr>
+          </a:lnRef>
+          <a:fillRef idx="1">
+            <a:schemeClr val="accent1"/>
+          </a:fillRef>
+          <a:effectRef idx="0">
+            <a:schemeClr val="accent1"/>
+          </a:effectRef>
+          <a:fontRef idx="minor">
+            <a:schemeClr val="lt1"/>
+          </a:fontRef>
+        </p:style>
+        <p:txBody>
+          <a:bodyPr rtlCol="0" anchor="ctr"/>
+          <a:lstStyle/>
+          <a:p>
+            <a:pPr algn="ctr"/>
+            <a:r>
+              <a:rPr lang="en-US" altLang="zh-CN" dirty="0"/>
+              <a:t>ens33</a:t>
+            </a:r>
+          </a:p>
+        </p:txBody>
+      </p:sp>
+      <p:sp>
+        <p:nvSpPr>
+          <p:cNvPr id="20" name="箭头: 上下 19">
+            <a:extLst>
+              <a:ext uri="{FF2B5EF4-FFF2-40B4-BE49-F238E27FC236}">
+                <a16:creationId xmlns:a16="http://schemas.microsoft.com/office/drawing/2014/main" id="{0F6E1877-FDB2-4C0F-A4C4-70A9EFAE8134}"/>
+              </a:ext>
+            </a:extLst>
+          </p:cNvPr>
+          <p:cNvSpPr/>
+          <p:nvPr/>
+        </p:nvSpPr>
+        <p:spPr>
+          <a:xfrm>
+            <a:off x="4576672" y="3004039"/>
+            <a:ext cx="261257" cy="706978"/>
+          </a:xfrm>
+          <a:prstGeom prst="upDownArrow">
+            <a:avLst/>
+          </a:prstGeom>
+        </p:spPr>
+        <p:style>
+          <a:lnRef idx="2">
+            <a:schemeClr val="accent2">
+              <a:shade val="50000"/>
+            </a:schemeClr>
+          </a:lnRef>
+          <a:fillRef idx="1">
+            <a:schemeClr val="accent2"/>
+          </a:fillRef>
+          <a:effectRef idx="0">
+            <a:schemeClr val="accent2"/>
+          </a:effectRef>
+          <a:fontRef idx="minor">
+            <a:schemeClr val="lt1"/>
+          </a:fontRef>
+        </p:style>
+        <p:txBody>
+          <a:bodyPr rtlCol="0" anchor="ctr"/>
+          <a:lstStyle/>
+          <a:p>
+            <a:pPr algn="ctr"/>
+            <a:endParaRPr lang="zh-CN" altLang="en-US"/>
+          </a:p>
+        </p:txBody>
+      </p:sp>
+      <p:sp>
+        <p:nvSpPr>
+          <p:cNvPr id="21" name="箭头: 上下 20">
+            <a:extLst>
+              <a:ext uri="{FF2B5EF4-FFF2-40B4-BE49-F238E27FC236}">
+                <a16:creationId xmlns:a16="http://schemas.microsoft.com/office/drawing/2014/main" id="{18B0CE65-3654-4211-8FEA-08D0507EF525}"/>
+              </a:ext>
+            </a:extLst>
+          </p:cNvPr>
+          <p:cNvSpPr/>
+          <p:nvPr/>
+        </p:nvSpPr>
+        <p:spPr>
+          <a:xfrm>
+            <a:off x="3006019" y="3001611"/>
+            <a:ext cx="261257" cy="706978"/>
+          </a:xfrm>
+          <a:prstGeom prst="upDownArrow">
+            <a:avLst/>
+          </a:prstGeom>
+        </p:spPr>
+        <p:style>
+          <a:lnRef idx="2">
+            <a:schemeClr val="accent2">
+              <a:shade val="50000"/>
+            </a:schemeClr>
+          </a:lnRef>
+          <a:fillRef idx="1">
+            <a:schemeClr val="accent2"/>
+          </a:fillRef>
+          <a:effectRef idx="0">
+            <a:schemeClr val="accent2"/>
+          </a:effectRef>
+          <a:fontRef idx="minor">
+            <a:schemeClr val="lt1"/>
+          </a:fontRef>
+        </p:style>
+        <p:txBody>
+          <a:bodyPr rtlCol="0" anchor="ctr"/>
+          <a:lstStyle/>
+          <a:p>
+            <a:pPr algn="ctr"/>
+            <a:endParaRPr lang="zh-CN" altLang="en-US"/>
+          </a:p>
+        </p:txBody>
+      </p:sp>
+      <p:sp>
+        <p:nvSpPr>
+          <p:cNvPr id="22" name="箭头: 上下 21">
+            <a:extLst>
+              <a:ext uri="{FF2B5EF4-FFF2-40B4-BE49-F238E27FC236}">
+                <a16:creationId xmlns:a16="http://schemas.microsoft.com/office/drawing/2014/main" id="{D6F69B41-08C1-4A39-9781-EFA5662A493E}"/>
+              </a:ext>
+            </a:extLst>
+          </p:cNvPr>
+          <p:cNvSpPr/>
+          <p:nvPr/>
+        </p:nvSpPr>
+        <p:spPr>
+          <a:xfrm>
+            <a:off x="3032448" y="4463656"/>
+            <a:ext cx="261257" cy="1062818"/>
+          </a:xfrm>
+          <a:prstGeom prst="upDownArrow">
+            <a:avLst/>
+          </a:prstGeom>
+        </p:spPr>
+        <p:style>
+          <a:lnRef idx="2">
+            <a:schemeClr val="accent2">
+              <a:shade val="50000"/>
+            </a:schemeClr>
+          </a:lnRef>
+          <a:fillRef idx="1">
+            <a:schemeClr val="accent2"/>
+          </a:fillRef>
+          <a:effectRef idx="0">
+            <a:schemeClr val="accent2"/>
+          </a:effectRef>
+          <a:fontRef idx="minor">
+            <a:schemeClr val="lt1"/>
+          </a:fontRef>
+        </p:style>
+        <p:txBody>
+          <a:bodyPr rtlCol="0" anchor="ctr"/>
+          <a:lstStyle/>
+          <a:p>
+            <a:pPr algn="ctr"/>
+            <a:endParaRPr lang="zh-CN" altLang="en-US"/>
+          </a:p>
+        </p:txBody>
+      </p:sp>
+      <p:cxnSp>
+        <p:nvCxnSpPr>
+          <p:cNvPr id="11" name="直接连接符 10">
+            <a:extLst>
+              <a:ext uri="{FF2B5EF4-FFF2-40B4-BE49-F238E27FC236}">
+                <a16:creationId xmlns:a16="http://schemas.microsoft.com/office/drawing/2014/main" id="{7898AA81-E201-45E2-84CB-AB572F047112}"/>
+              </a:ext>
+            </a:extLst>
+          </p:cNvPr>
+          <p:cNvCxnSpPr>
+            <a:cxnSpLocks/>
+          </p:cNvCxnSpPr>
+          <p:nvPr/>
+        </p:nvCxnSpPr>
+        <p:spPr>
+          <a:xfrm>
+            <a:off x="1436918" y="3340360"/>
+            <a:ext cx="9089482" cy="0"/>
+          </a:xfrm>
+          <a:prstGeom prst="line">
+            <a:avLst/>
+          </a:prstGeom>
+          <a:ln w="38100">
+            <a:prstDash val="sysDash"/>
+          </a:ln>
+        </p:spPr>
+        <p:style>
+          <a:lnRef idx="1">
+            <a:schemeClr val="accent6"/>
+          </a:lnRef>
+          <a:fillRef idx="0">
+            <a:schemeClr val="accent6"/>
+          </a:fillRef>
+          <a:effectRef idx="0">
+            <a:schemeClr val="accent6"/>
+          </a:effectRef>
+          <a:fontRef idx="minor">
+            <a:schemeClr val="tx1"/>
+          </a:fontRef>
+        </p:style>
+      </p:cxnSp>
+      <p:sp>
+        <p:nvSpPr>
+          <p:cNvPr id="35" name="矩形 34">
+            <a:extLst>
+              <a:ext uri="{FF2B5EF4-FFF2-40B4-BE49-F238E27FC236}">
+                <a16:creationId xmlns:a16="http://schemas.microsoft.com/office/drawing/2014/main" id="{4D89F8D4-E041-4873-BF13-18EA13D69BF9}"/>
+              </a:ext>
+            </a:extLst>
+          </p:cNvPr>
+          <p:cNvSpPr/>
+          <p:nvPr/>
+        </p:nvSpPr>
+        <p:spPr>
+          <a:xfrm>
+            <a:off x="2481943" y="5621928"/>
+            <a:ext cx="1362268" cy="531510"/>
+          </a:xfrm>
+          <a:prstGeom prst="rect">
+            <a:avLst/>
+          </a:prstGeom>
+        </p:spPr>
+        <p:style>
+          <a:lnRef idx="2">
+            <a:schemeClr val="accent1">
+              <a:shade val="50000"/>
+            </a:schemeClr>
+          </a:lnRef>
+          <a:fillRef idx="1">
+            <a:schemeClr val="accent1"/>
+          </a:fillRef>
+          <a:effectRef idx="0">
+            <a:schemeClr val="accent1"/>
+          </a:effectRef>
+          <a:fontRef idx="minor">
+            <a:schemeClr val="lt1"/>
+          </a:fontRef>
+        </p:style>
+        <p:txBody>
+          <a:bodyPr rtlCol="0" anchor="ctr"/>
+          <a:lstStyle/>
+          <a:p>
+            <a:pPr algn="ctr"/>
+            <a:r>
+              <a:rPr lang="zh-CN" altLang="en-US" dirty="0"/>
+              <a:t>外部网卡</a:t>
+            </a:r>
+            <a:endParaRPr lang="en-US" altLang="zh-CN" dirty="0"/>
+          </a:p>
+        </p:txBody>
+      </p:sp>
+      <p:sp>
+        <p:nvSpPr>
+          <p:cNvPr id="13" name="矩形 12">
+            <a:extLst>
+              <a:ext uri="{FF2B5EF4-FFF2-40B4-BE49-F238E27FC236}">
+                <a16:creationId xmlns:a16="http://schemas.microsoft.com/office/drawing/2014/main" id="{46A69E47-4850-4A76-8959-BEB213693600}"/>
+              </a:ext>
+            </a:extLst>
+          </p:cNvPr>
+          <p:cNvSpPr/>
+          <p:nvPr/>
+        </p:nvSpPr>
+        <p:spPr>
+          <a:xfrm>
+            <a:off x="8142513" y="3781682"/>
+            <a:ext cx="1362268" cy="531510"/>
+          </a:xfrm>
+          <a:prstGeom prst="rect">
+            <a:avLst/>
+          </a:prstGeom>
+        </p:spPr>
+        <p:style>
+          <a:lnRef idx="2">
+            <a:schemeClr val="accent1">
+              <a:shade val="50000"/>
+            </a:schemeClr>
+          </a:lnRef>
+          <a:fillRef idx="1">
+            <a:schemeClr val="accent1"/>
+          </a:fillRef>
+          <a:effectRef idx="0">
+            <a:schemeClr val="accent1"/>
+          </a:effectRef>
+          <a:fontRef idx="minor">
+            <a:schemeClr val="lt1"/>
+          </a:fontRef>
+        </p:style>
+        <p:txBody>
+          <a:bodyPr rtlCol="0" anchor="ctr"/>
+          <a:lstStyle/>
+          <a:p>
+            <a:pPr algn="ctr"/>
+            <a:r>
+              <a:rPr lang="en-US" altLang="zh-CN" dirty="0"/>
+              <a:t>veth1</a:t>
+            </a:r>
+          </a:p>
+        </p:txBody>
+      </p:sp>
+      <p:sp>
+        <p:nvSpPr>
+          <p:cNvPr id="15" name="矩形 14">
+            <a:extLst>
+              <a:ext uri="{FF2B5EF4-FFF2-40B4-BE49-F238E27FC236}">
+                <a16:creationId xmlns:a16="http://schemas.microsoft.com/office/drawing/2014/main" id="{8155DAED-BBF0-4AA0-BA4D-B883EECC8139}"/>
+              </a:ext>
+            </a:extLst>
+          </p:cNvPr>
+          <p:cNvSpPr/>
+          <p:nvPr/>
+        </p:nvSpPr>
+        <p:spPr>
+          <a:xfrm>
+            <a:off x="6246847" y="3781682"/>
+            <a:ext cx="1362268" cy="531510"/>
+          </a:xfrm>
+          <a:prstGeom prst="rect">
+            <a:avLst/>
+          </a:prstGeom>
+        </p:spPr>
+        <p:style>
+          <a:lnRef idx="2">
+            <a:schemeClr val="accent1">
+              <a:shade val="50000"/>
+            </a:schemeClr>
+          </a:lnRef>
+          <a:fillRef idx="1">
+            <a:schemeClr val="accent1"/>
+          </a:fillRef>
+          <a:effectRef idx="0">
+            <a:schemeClr val="accent1"/>
+          </a:effectRef>
+          <a:fontRef idx="minor">
+            <a:schemeClr val="lt1"/>
+          </a:fontRef>
+        </p:style>
+        <p:txBody>
+          <a:bodyPr rtlCol="0" anchor="ctr"/>
+          <a:lstStyle/>
+          <a:p>
+            <a:pPr algn="ctr"/>
+            <a:r>
+              <a:rPr lang="en-US" altLang="zh-CN" dirty="0"/>
+              <a:t>veth0</a:t>
+            </a:r>
+          </a:p>
+        </p:txBody>
+      </p:sp>
+      <p:sp>
+        <p:nvSpPr>
+          <p:cNvPr id="17" name="箭头: 上下 16">
+            <a:extLst>
+              <a:ext uri="{FF2B5EF4-FFF2-40B4-BE49-F238E27FC236}">
+                <a16:creationId xmlns:a16="http://schemas.microsoft.com/office/drawing/2014/main" id="{F6CBF744-EB58-416E-8C30-6B341EBEC68D}"/>
+              </a:ext>
+            </a:extLst>
+          </p:cNvPr>
+          <p:cNvSpPr/>
+          <p:nvPr/>
+        </p:nvSpPr>
+        <p:spPr>
+          <a:xfrm>
+            <a:off x="8671247" y="3012826"/>
+            <a:ext cx="261257" cy="706978"/>
+          </a:xfrm>
+          <a:prstGeom prst="upDownArrow">
+            <a:avLst/>
+          </a:prstGeom>
+        </p:spPr>
+        <p:style>
+          <a:lnRef idx="2">
+            <a:schemeClr val="accent2">
+              <a:shade val="50000"/>
+            </a:schemeClr>
+          </a:lnRef>
+          <a:fillRef idx="1">
+            <a:schemeClr val="accent2"/>
+          </a:fillRef>
+          <a:effectRef idx="0">
+            <a:schemeClr val="accent2"/>
+          </a:effectRef>
+          <a:fontRef idx="minor">
+            <a:schemeClr val="lt1"/>
+          </a:fontRef>
+        </p:style>
+        <p:txBody>
+          <a:bodyPr rtlCol="0" anchor="ctr"/>
+          <a:lstStyle/>
+          <a:p>
+            <a:pPr algn="ctr"/>
+            <a:endParaRPr lang="zh-CN" altLang="en-US"/>
+          </a:p>
+        </p:txBody>
+      </p:sp>
+      <p:cxnSp>
+        <p:nvCxnSpPr>
+          <p:cNvPr id="24" name="连接符: 肘形 23">
+            <a:extLst>
+              <a:ext uri="{FF2B5EF4-FFF2-40B4-BE49-F238E27FC236}">
+                <a16:creationId xmlns:a16="http://schemas.microsoft.com/office/drawing/2014/main" id="{8A589C79-3D6E-4280-A71B-B8A20AA87BF2}"/>
+              </a:ext>
+            </a:extLst>
+          </p:cNvPr>
+          <p:cNvCxnSpPr>
+            <a:cxnSpLocks/>
+            <a:stCxn id="15" idx="2"/>
+            <a:endCxn id="13" idx="2"/>
+          </p:cNvCxnSpPr>
+          <p:nvPr/>
+        </p:nvCxnSpPr>
+        <p:spPr>
+          <a:xfrm rot="16200000" flipH="1">
+            <a:off x="7875814" y="3365359"/>
+            <a:ext cx="12700" cy="1895666"/>
+          </a:xfrm>
+          <a:prstGeom prst="bentConnector3">
+            <a:avLst>
+              <a:gd name="adj1" fmla="val 1800000"/>
+            </a:avLst>
+          </a:prstGeom>
+          <a:ln w="12700">
+            <a:prstDash val="sysDot"/>
+            <a:headEnd type="triangle"/>
+            <a:tailEnd type="triangle"/>
+          </a:ln>
+        </p:spPr>
+        <p:style>
+          <a:lnRef idx="1">
+            <a:schemeClr val="accent1"/>
+          </a:lnRef>
+          <a:fillRef idx="0">
+            <a:schemeClr val="accent1"/>
+          </a:fillRef>
+          <a:effectRef idx="0">
+            <a:schemeClr val="accent1"/>
+          </a:effectRef>
+          <a:fontRef idx="minor">
+            <a:schemeClr val="tx1"/>
+          </a:fontRef>
+        </p:style>
+      </p:cxnSp>
+      <p:sp>
+        <p:nvSpPr>
+          <p:cNvPr id="25" name="文本框 24">
+            <a:extLst>
+              <a:ext uri="{FF2B5EF4-FFF2-40B4-BE49-F238E27FC236}">
+                <a16:creationId xmlns:a16="http://schemas.microsoft.com/office/drawing/2014/main" id="{B9B5B60F-87A1-4370-B4B8-49058D98076C}"/>
+              </a:ext>
+            </a:extLst>
+          </p:cNvPr>
+          <p:cNvSpPr txBox="1"/>
+          <p:nvPr/>
+        </p:nvSpPr>
+        <p:spPr>
+          <a:xfrm>
+            <a:off x="6358813" y="4548493"/>
+            <a:ext cx="1250302" cy="369332"/>
+          </a:xfrm>
+          <a:prstGeom prst="rect">
+            <a:avLst/>
+          </a:prstGeom>
+          <a:noFill/>
+        </p:spPr>
+        <p:txBody>
+          <a:bodyPr wrap="square" rtlCol="0">
+            <a:spAutoFit/>
+          </a:bodyPr>
+          <a:lstStyle/>
+          <a:p>
+            <a:r>
+              <a:rPr lang="en-US" altLang="zh-CN" dirty="0"/>
+              <a:t>1.2.3.101</a:t>
+            </a:r>
+            <a:endParaRPr lang="zh-CN" altLang="en-US" dirty="0"/>
+          </a:p>
+        </p:txBody>
+      </p:sp>
+      <p:sp>
+        <p:nvSpPr>
+          <p:cNvPr id="26" name="文本框 25">
+            <a:extLst>
+              <a:ext uri="{FF2B5EF4-FFF2-40B4-BE49-F238E27FC236}">
+                <a16:creationId xmlns:a16="http://schemas.microsoft.com/office/drawing/2014/main" id="{16968228-C13D-4A97-9421-1D8E3B8CCCE0}"/>
+              </a:ext>
+            </a:extLst>
+          </p:cNvPr>
+          <p:cNvSpPr txBox="1"/>
+          <p:nvPr/>
+        </p:nvSpPr>
+        <p:spPr>
+          <a:xfrm>
+            <a:off x="8284029" y="4574575"/>
+            <a:ext cx="1250302" cy="369332"/>
+          </a:xfrm>
+          <a:prstGeom prst="rect">
+            <a:avLst/>
+          </a:prstGeom>
+          <a:noFill/>
+        </p:spPr>
+        <p:txBody>
+          <a:bodyPr wrap="square" rtlCol="0">
+            <a:spAutoFit/>
+          </a:bodyPr>
+          <a:lstStyle/>
+          <a:p>
+            <a:r>
+              <a:rPr lang="en-US" altLang="zh-CN" dirty="0"/>
+              <a:t>1.2.3.102</a:t>
+            </a:r>
+            <a:endParaRPr lang="zh-CN" altLang="en-US" dirty="0"/>
+          </a:p>
+        </p:txBody>
+      </p:sp>
+      <p:sp>
+        <p:nvSpPr>
+          <p:cNvPr id="3" name="箭头: 下 2">
+            <a:extLst>
+              <a:ext uri="{FF2B5EF4-FFF2-40B4-BE49-F238E27FC236}">
+                <a16:creationId xmlns:a16="http://schemas.microsoft.com/office/drawing/2014/main" id="{3FF9230B-B116-4386-993F-80333D973B43}"/>
+              </a:ext>
+            </a:extLst>
+          </p:cNvPr>
+          <p:cNvSpPr/>
+          <p:nvPr/>
+        </p:nvSpPr>
+        <p:spPr>
+          <a:xfrm>
+            <a:off x="6825474" y="3035067"/>
+            <a:ext cx="217714" cy="647470"/>
+          </a:xfrm>
+          <a:prstGeom prst="downArrow">
+            <a:avLst/>
+          </a:prstGeom>
+        </p:spPr>
+        <p:style>
+          <a:lnRef idx="2">
+            <a:schemeClr val="accent1">
+              <a:shade val="50000"/>
+            </a:schemeClr>
+          </a:lnRef>
+          <a:fillRef idx="1">
+            <a:schemeClr val="accent1"/>
+          </a:fillRef>
+          <a:effectRef idx="0">
+            <a:schemeClr val="accent1"/>
+          </a:effectRef>
+          <a:fontRef idx="minor">
+            <a:schemeClr val="lt1"/>
+          </a:fontRef>
+        </p:style>
+        <p:txBody>
+          <a:bodyPr rtlCol="0" anchor="ctr"/>
+          <a:lstStyle/>
+          <a:p>
+            <a:pPr algn="ctr"/>
+            <a:endParaRPr lang="zh-CN" altLang="en-US"/>
+          </a:p>
+        </p:txBody>
+      </p:sp>
+      <p:sp>
+        <p:nvSpPr>
+          <p:cNvPr id="29" name="文本框 28">
+            <a:extLst>
+              <a:ext uri="{FF2B5EF4-FFF2-40B4-BE49-F238E27FC236}">
+                <a16:creationId xmlns:a16="http://schemas.microsoft.com/office/drawing/2014/main" id="{D59E996A-2363-44B4-8F97-F83A5956D9A4}"/>
+              </a:ext>
+            </a:extLst>
+          </p:cNvPr>
+          <p:cNvSpPr txBox="1"/>
+          <p:nvPr/>
+        </p:nvSpPr>
+        <p:spPr>
+          <a:xfrm>
+            <a:off x="6000344" y="4852596"/>
+            <a:ext cx="1925216" cy="369332"/>
+          </a:xfrm>
+          <a:prstGeom prst="rect">
+            <a:avLst/>
+          </a:prstGeom>
+          <a:noFill/>
+        </p:spPr>
+        <p:txBody>
+          <a:bodyPr wrap="square" rtlCol="0">
+            <a:spAutoFit/>
+          </a:bodyPr>
+          <a:lstStyle/>
+          <a:p>
+            <a:r>
+              <a:rPr lang="en-US" altLang="zh-CN" dirty="0"/>
+              <a:t>66:72:a9:ae:06:1d</a:t>
+            </a:r>
+            <a:endParaRPr lang="zh-CN" altLang="en-US" dirty="0"/>
+          </a:p>
+        </p:txBody>
+      </p:sp>
+      <p:cxnSp>
+        <p:nvCxnSpPr>
+          <p:cNvPr id="30" name="连接符: 肘形 29">
+            <a:extLst>
+              <a:ext uri="{FF2B5EF4-FFF2-40B4-BE49-F238E27FC236}">
+                <a16:creationId xmlns:a16="http://schemas.microsoft.com/office/drawing/2014/main" id="{244B12C5-7C4E-4D62-B1C7-996E418A34E3}"/>
+              </a:ext>
+            </a:extLst>
+          </p:cNvPr>
+          <p:cNvCxnSpPr>
+            <a:cxnSpLocks/>
+          </p:cNvCxnSpPr>
+          <p:nvPr/>
+        </p:nvCxnSpPr>
+        <p:spPr>
+          <a:xfrm>
+            <a:off x="5549456" y="4052828"/>
+            <a:ext cx="546544" cy="959"/>
+          </a:xfrm>
+          <a:prstGeom prst="bentConnector3">
+            <a:avLst>
+              <a:gd name="adj1" fmla="val 50000"/>
+            </a:avLst>
+          </a:prstGeom>
+          <a:ln w="12700">
+            <a:prstDash val="sysDot"/>
+            <a:headEnd type="triangle"/>
+            <a:tailEnd type="triangle"/>
+          </a:ln>
+        </p:spPr>
+        <p:style>
+          <a:lnRef idx="1">
+            <a:schemeClr val="accent1"/>
+          </a:lnRef>
+          <a:fillRef idx="0">
+            <a:schemeClr val="accent1"/>
+          </a:fillRef>
+          <a:effectRef idx="0">
+            <a:schemeClr val="accent1"/>
+          </a:effectRef>
+          <a:fontRef idx="minor">
+            <a:schemeClr val="tx1"/>
+          </a:fontRef>
+        </p:style>
+      </p:cxnSp>
+      <p:sp>
+        <p:nvSpPr>
+          <p:cNvPr id="31" name="文本框 30">
+            <a:extLst>
+              <a:ext uri="{FF2B5EF4-FFF2-40B4-BE49-F238E27FC236}">
+                <a16:creationId xmlns:a16="http://schemas.microsoft.com/office/drawing/2014/main" id="{77294D28-F462-401B-AA85-047315AAB06A}"/>
+              </a:ext>
+            </a:extLst>
+          </p:cNvPr>
+          <p:cNvSpPr txBox="1"/>
+          <p:nvPr/>
+        </p:nvSpPr>
+        <p:spPr>
+          <a:xfrm>
+            <a:off x="3814020" y="4852596"/>
+            <a:ext cx="1925216" cy="369332"/>
+          </a:xfrm>
+          <a:prstGeom prst="rect">
+            <a:avLst/>
+          </a:prstGeom>
+          <a:noFill/>
+        </p:spPr>
+        <p:txBody>
+          <a:bodyPr wrap="square" rtlCol="0">
+            <a:spAutoFit/>
+          </a:bodyPr>
+          <a:lstStyle/>
+          <a:p>
+            <a:r>
+              <a:rPr lang="en-US" altLang="zh-CN" dirty="0"/>
+              <a:t>66:72:a9:ae:06:1d</a:t>
+            </a:r>
+            <a:endParaRPr lang="zh-CN" altLang="en-US" dirty="0"/>
+          </a:p>
+        </p:txBody>
+      </p:sp>
+      <p:sp>
+        <p:nvSpPr>
+          <p:cNvPr id="32" name="文本框 31">
+            <a:extLst>
+              <a:ext uri="{FF2B5EF4-FFF2-40B4-BE49-F238E27FC236}">
+                <a16:creationId xmlns:a16="http://schemas.microsoft.com/office/drawing/2014/main" id="{25D9026A-5319-4FDD-BB4C-1F5414CC743C}"/>
+              </a:ext>
+            </a:extLst>
+          </p:cNvPr>
+          <p:cNvSpPr txBox="1"/>
+          <p:nvPr/>
+        </p:nvSpPr>
+        <p:spPr>
+          <a:xfrm>
+            <a:off x="7861039" y="4856396"/>
+            <a:ext cx="1925216" cy="369332"/>
+          </a:xfrm>
+          <a:prstGeom prst="rect">
+            <a:avLst/>
+          </a:prstGeom>
+          <a:noFill/>
+        </p:spPr>
+        <p:txBody>
+          <a:bodyPr wrap="square" rtlCol="0">
+            <a:spAutoFit/>
+          </a:bodyPr>
+          <a:lstStyle/>
+          <a:p>
+            <a:r>
+              <a:rPr lang="en-US" altLang="zh-CN" dirty="0"/>
+              <a:t>0a:32:b0:18:a9:75</a:t>
+            </a:r>
+            <a:endParaRPr lang="zh-CN" altLang="en-US" dirty="0"/>
+          </a:p>
+        </p:txBody>
+      </p:sp>
+    </p:spTree>
+    <p:extLst>
+      <p:ext uri="{BB962C8B-B14F-4D97-AF65-F5344CB8AC3E}">
+        <p14:creationId xmlns:p14="http://schemas.microsoft.com/office/powerpoint/2010/main" val="2675946657"/>
+      </p:ext>
+    </p:extLst>
+  </p:cSld>
+  <p:clrMapOvr>
+    <a:masterClrMapping/>
+  </p:clrMapOvr>
+</p:sld>
+</file>
+
+<file path=ppt/slides/slide8.xml><?xml version="1.0" encoding="utf-8"?>
+<p:sld xmlns:a="http://schemas.openxmlformats.org/drawingml/2006/main" xmlns:r="http://schemas.openxmlformats.org/officeDocument/2006/relationships" xmlns:p="http://schemas.openxmlformats.org/presentationml/2006/main">
+  <p:cSld>
+    <p:spTree>
+      <p:nvGrpSpPr>
+        <p:cNvPr id="1" name=""/>
+        <p:cNvGrpSpPr/>
+        <p:nvPr/>
+      </p:nvGrpSpPr>
+      <p:grpSpPr>
+        <a:xfrm>
+          <a:off x="0" y="0"/>
+          <a:ext cx="0" cy="0"/>
+          <a:chOff x="0" y="0"/>
+          <a:chExt cx="0" cy="0"/>
+        </a:xfrm>
+      </p:grpSpPr>
+      <p:sp>
+        <p:nvSpPr>
+          <p:cNvPr id="2" name="矩形 1">
+            <a:extLst>
+              <a:ext uri="{FF2B5EF4-FFF2-40B4-BE49-F238E27FC236}">
+                <a16:creationId xmlns:a16="http://schemas.microsoft.com/office/drawing/2014/main" id="{F2B6259C-D4F6-4BAD-A633-E58CE07B8DAD}"/>
+              </a:ext>
+            </a:extLst>
+          </p:cNvPr>
+          <p:cNvSpPr/>
+          <p:nvPr/>
+        </p:nvSpPr>
+        <p:spPr>
+          <a:xfrm>
+            <a:off x="1872342" y="2220686"/>
+            <a:ext cx="8020458" cy="2978254"/>
+          </a:xfrm>
+          <a:prstGeom prst="rect">
+            <a:avLst/>
+          </a:prstGeom>
+          <a:solidFill>
+            <a:schemeClr val="bg1"/>
+          </a:solidFill>
+          <a:ln>
+            <a:solidFill>
+              <a:schemeClr val="tx1"/>
+            </a:solidFill>
+          </a:ln>
+        </p:spPr>
+        <p:style>
+          <a:lnRef idx="2">
+            <a:schemeClr val="accent1">
+              <a:shade val="50000"/>
+            </a:schemeClr>
+          </a:lnRef>
+          <a:fillRef idx="1">
+            <a:schemeClr val="accent1"/>
+          </a:fillRef>
+          <a:effectRef idx="0">
+            <a:schemeClr val="accent1"/>
+          </a:effectRef>
+          <a:fontRef idx="minor">
+            <a:schemeClr val="lt1"/>
+          </a:fontRef>
+        </p:style>
+        <p:txBody>
+          <a:bodyPr rtlCol="0" anchor="ctr"/>
+          <a:lstStyle/>
+          <a:p>
+            <a:pPr algn="ctr"/>
+            <a:endParaRPr lang="zh-CN" altLang="en-US" dirty="0"/>
+          </a:p>
+        </p:txBody>
+      </p:sp>
+      <p:sp>
+        <p:nvSpPr>
+          <p:cNvPr id="14" name="文本框 13">
+            <a:extLst>
+              <a:ext uri="{FF2B5EF4-FFF2-40B4-BE49-F238E27FC236}">
+                <a16:creationId xmlns:a16="http://schemas.microsoft.com/office/drawing/2014/main" id="{C84EDF58-F679-4452-9D66-CF99AA9DE7DD}"/>
+              </a:ext>
+            </a:extLst>
+          </p:cNvPr>
+          <p:cNvSpPr txBox="1"/>
+          <p:nvPr/>
+        </p:nvSpPr>
+        <p:spPr>
+          <a:xfrm>
+            <a:off x="5452192" y="3567738"/>
+            <a:ext cx="1990530" cy="307777"/>
+          </a:xfrm>
+          <a:prstGeom prst="rect">
+            <a:avLst/>
+          </a:prstGeom>
+          <a:noFill/>
+        </p:spPr>
+        <p:txBody>
+          <a:bodyPr wrap="square" rtlCol="0">
+            <a:spAutoFit/>
+          </a:bodyPr>
+          <a:lstStyle/>
+          <a:p>
+            <a:r>
+              <a:rPr lang="en-US" altLang="zh-CN" sz="1400" dirty="0">
+                <a:solidFill>
+                  <a:schemeClr val="bg1"/>
+                </a:solidFill>
+              </a:rPr>
+              <a:t>Network namespace2</a:t>
+            </a:r>
+            <a:endParaRPr lang="zh-CN" altLang="en-US" sz="1400" dirty="0">
+              <a:solidFill>
+                <a:schemeClr val="bg1"/>
+              </a:solidFill>
+            </a:endParaRPr>
+          </a:p>
+        </p:txBody>
+      </p:sp>
+      <p:sp>
+        <p:nvSpPr>
+          <p:cNvPr id="16" name="矩形 15">
+            <a:extLst>
+              <a:ext uri="{FF2B5EF4-FFF2-40B4-BE49-F238E27FC236}">
+                <a16:creationId xmlns:a16="http://schemas.microsoft.com/office/drawing/2014/main" id="{9A4833B7-2E38-481E-ABF0-98E00E7A3515}"/>
+              </a:ext>
+            </a:extLst>
+          </p:cNvPr>
+          <p:cNvSpPr/>
+          <p:nvPr/>
+        </p:nvSpPr>
+        <p:spPr>
+          <a:xfrm>
+            <a:off x="2481944" y="2385862"/>
+            <a:ext cx="6633256" cy="531510"/>
+          </a:xfrm>
+          <a:prstGeom prst="rect">
+            <a:avLst/>
+          </a:prstGeom>
+        </p:spPr>
+        <p:style>
+          <a:lnRef idx="2">
+            <a:schemeClr val="accent3">
+              <a:shade val="50000"/>
+            </a:schemeClr>
+          </a:lnRef>
+          <a:fillRef idx="1">
+            <a:schemeClr val="accent3"/>
+          </a:fillRef>
+          <a:effectRef idx="0">
+            <a:schemeClr val="accent3"/>
+          </a:effectRef>
+          <a:fontRef idx="minor">
+            <a:schemeClr val="lt1"/>
+          </a:fontRef>
+        </p:style>
+        <p:txBody>
+          <a:bodyPr rtlCol="0" anchor="ctr"/>
+          <a:lstStyle/>
+          <a:p>
+            <a:pPr algn="ctr"/>
+            <a:r>
+              <a:rPr lang="en-US" altLang="zh-CN" dirty="0"/>
+              <a:t>Linux</a:t>
+            </a:r>
+            <a:r>
+              <a:rPr lang="zh-CN" altLang="en-US" dirty="0"/>
+              <a:t>网络协议栈</a:t>
+            </a:r>
+          </a:p>
+        </p:txBody>
+      </p:sp>
+      <p:sp>
+        <p:nvSpPr>
+          <p:cNvPr id="18" name="矩形 17">
+            <a:extLst>
+              <a:ext uri="{FF2B5EF4-FFF2-40B4-BE49-F238E27FC236}">
+                <a16:creationId xmlns:a16="http://schemas.microsoft.com/office/drawing/2014/main" id="{623A9AD4-3FC4-4DAC-A11D-D327C88D68ED}"/>
+              </a:ext>
+            </a:extLst>
+          </p:cNvPr>
+          <p:cNvSpPr/>
+          <p:nvPr/>
+        </p:nvSpPr>
+        <p:spPr>
+          <a:xfrm>
+            <a:off x="4076709" y="3788032"/>
+            <a:ext cx="1362268" cy="531510"/>
+          </a:xfrm>
+          <a:prstGeom prst="rect">
+            <a:avLst/>
+          </a:prstGeom>
+        </p:spPr>
+        <p:style>
+          <a:lnRef idx="2">
+            <a:schemeClr val="accent1">
+              <a:shade val="50000"/>
+            </a:schemeClr>
+          </a:lnRef>
+          <a:fillRef idx="1">
+            <a:schemeClr val="accent1"/>
+          </a:fillRef>
+          <a:effectRef idx="0">
+            <a:schemeClr val="accent1"/>
+          </a:effectRef>
+          <a:fontRef idx="minor">
+            <a:schemeClr val="lt1"/>
+          </a:fontRef>
+        </p:style>
+        <p:txBody>
+          <a:bodyPr rtlCol="0" anchor="ctr"/>
+          <a:lstStyle/>
+          <a:p>
+            <a:pPr algn="ctr"/>
+            <a:r>
+              <a:rPr lang="en-US" altLang="zh-CN" dirty="0"/>
+              <a:t>br0</a:t>
+            </a:r>
+          </a:p>
+        </p:txBody>
+      </p:sp>
+      <p:sp>
+        <p:nvSpPr>
+          <p:cNvPr id="19" name="矩形 18">
+            <a:extLst>
+              <a:ext uri="{FF2B5EF4-FFF2-40B4-BE49-F238E27FC236}">
+                <a16:creationId xmlns:a16="http://schemas.microsoft.com/office/drawing/2014/main" id="{855A26B7-5B1F-42E1-92DA-0019EA227946}"/>
+              </a:ext>
+            </a:extLst>
+          </p:cNvPr>
+          <p:cNvSpPr/>
+          <p:nvPr/>
+        </p:nvSpPr>
+        <p:spPr>
+          <a:xfrm>
+            <a:off x="2481943" y="3781682"/>
+            <a:ext cx="1362268" cy="531510"/>
+          </a:xfrm>
+          <a:prstGeom prst="rect">
+            <a:avLst/>
+          </a:prstGeom>
+        </p:spPr>
+        <p:style>
+          <a:lnRef idx="2">
+            <a:schemeClr val="accent1">
+              <a:shade val="50000"/>
+            </a:schemeClr>
+          </a:lnRef>
+          <a:fillRef idx="1">
+            <a:schemeClr val="accent1"/>
+          </a:fillRef>
+          <a:effectRef idx="0">
+            <a:schemeClr val="accent1"/>
+          </a:effectRef>
+          <a:fontRef idx="minor">
+            <a:schemeClr val="lt1"/>
+          </a:fontRef>
+        </p:style>
+        <p:txBody>
+          <a:bodyPr rtlCol="0" anchor="ctr"/>
+          <a:lstStyle/>
+          <a:p>
+            <a:pPr algn="ctr"/>
+            <a:r>
+              <a:rPr lang="en-US" altLang="zh-CN" dirty="0"/>
+              <a:t>ens33</a:t>
+            </a:r>
+          </a:p>
+        </p:txBody>
+      </p:sp>
+      <p:sp>
+        <p:nvSpPr>
+          <p:cNvPr id="20" name="箭头: 上下 19">
+            <a:extLst>
+              <a:ext uri="{FF2B5EF4-FFF2-40B4-BE49-F238E27FC236}">
+                <a16:creationId xmlns:a16="http://schemas.microsoft.com/office/drawing/2014/main" id="{0F6E1877-FDB2-4C0F-A4C4-70A9EFAE8134}"/>
+              </a:ext>
+            </a:extLst>
+          </p:cNvPr>
+          <p:cNvSpPr/>
+          <p:nvPr/>
+        </p:nvSpPr>
+        <p:spPr>
+          <a:xfrm>
+            <a:off x="4576672" y="3004039"/>
+            <a:ext cx="261257" cy="706978"/>
+          </a:xfrm>
+          <a:prstGeom prst="upDownArrow">
+            <a:avLst/>
+          </a:prstGeom>
+        </p:spPr>
+        <p:style>
+          <a:lnRef idx="2">
+            <a:schemeClr val="accent2">
+              <a:shade val="50000"/>
+            </a:schemeClr>
+          </a:lnRef>
+          <a:fillRef idx="1">
+            <a:schemeClr val="accent2"/>
+          </a:fillRef>
+          <a:effectRef idx="0">
+            <a:schemeClr val="accent2"/>
+          </a:effectRef>
+          <a:fontRef idx="minor">
+            <a:schemeClr val="lt1"/>
+          </a:fontRef>
+        </p:style>
+        <p:txBody>
+          <a:bodyPr rtlCol="0" anchor="ctr"/>
+          <a:lstStyle/>
+          <a:p>
+            <a:pPr algn="ctr"/>
+            <a:endParaRPr lang="zh-CN" altLang="en-US"/>
+          </a:p>
+        </p:txBody>
+      </p:sp>
+      <p:sp>
+        <p:nvSpPr>
+          <p:cNvPr id="21" name="箭头: 上下 20">
+            <a:extLst>
+              <a:ext uri="{FF2B5EF4-FFF2-40B4-BE49-F238E27FC236}">
+                <a16:creationId xmlns:a16="http://schemas.microsoft.com/office/drawing/2014/main" id="{18B0CE65-3654-4211-8FEA-08D0507EF525}"/>
+              </a:ext>
+            </a:extLst>
+          </p:cNvPr>
+          <p:cNvSpPr/>
+          <p:nvPr/>
+        </p:nvSpPr>
+        <p:spPr>
+          <a:xfrm>
+            <a:off x="3006019" y="3001611"/>
+            <a:ext cx="261257" cy="706978"/>
+          </a:xfrm>
+          <a:prstGeom prst="upDownArrow">
+            <a:avLst/>
+          </a:prstGeom>
+        </p:spPr>
+        <p:style>
+          <a:lnRef idx="2">
+            <a:schemeClr val="accent2">
+              <a:shade val="50000"/>
+            </a:schemeClr>
+          </a:lnRef>
+          <a:fillRef idx="1">
+            <a:schemeClr val="accent2"/>
+          </a:fillRef>
+          <a:effectRef idx="0">
+            <a:schemeClr val="accent2"/>
+          </a:effectRef>
+          <a:fontRef idx="minor">
+            <a:schemeClr val="lt1"/>
+          </a:fontRef>
+        </p:style>
+        <p:txBody>
+          <a:bodyPr rtlCol="0" anchor="ctr"/>
+          <a:lstStyle/>
+          <a:p>
+            <a:pPr algn="ctr"/>
+            <a:endParaRPr lang="zh-CN" altLang="en-US"/>
+          </a:p>
+        </p:txBody>
+      </p:sp>
+      <p:sp>
+        <p:nvSpPr>
+          <p:cNvPr id="22" name="箭头: 上下 21">
+            <a:extLst>
+              <a:ext uri="{FF2B5EF4-FFF2-40B4-BE49-F238E27FC236}">
+                <a16:creationId xmlns:a16="http://schemas.microsoft.com/office/drawing/2014/main" id="{D6F69B41-08C1-4A39-9781-EFA5662A493E}"/>
+              </a:ext>
+            </a:extLst>
+          </p:cNvPr>
+          <p:cNvSpPr/>
+          <p:nvPr/>
+        </p:nvSpPr>
+        <p:spPr>
+          <a:xfrm>
+            <a:off x="3032448" y="4463656"/>
+            <a:ext cx="261257" cy="1062818"/>
+          </a:xfrm>
+          <a:prstGeom prst="upDownArrow">
+            <a:avLst/>
+          </a:prstGeom>
+        </p:spPr>
+        <p:style>
+          <a:lnRef idx="2">
+            <a:schemeClr val="accent2">
+              <a:shade val="50000"/>
+            </a:schemeClr>
+          </a:lnRef>
+          <a:fillRef idx="1">
+            <a:schemeClr val="accent2"/>
+          </a:fillRef>
+          <a:effectRef idx="0">
+            <a:schemeClr val="accent2"/>
+          </a:effectRef>
+          <a:fontRef idx="minor">
+            <a:schemeClr val="lt1"/>
+          </a:fontRef>
+        </p:style>
+        <p:txBody>
+          <a:bodyPr rtlCol="0" anchor="ctr"/>
+          <a:lstStyle/>
+          <a:p>
+            <a:pPr algn="ctr"/>
+            <a:endParaRPr lang="zh-CN" altLang="en-US"/>
+          </a:p>
+        </p:txBody>
+      </p:sp>
+      <p:cxnSp>
+        <p:nvCxnSpPr>
+          <p:cNvPr id="11" name="直接连接符 10">
+            <a:extLst>
+              <a:ext uri="{FF2B5EF4-FFF2-40B4-BE49-F238E27FC236}">
+                <a16:creationId xmlns:a16="http://schemas.microsoft.com/office/drawing/2014/main" id="{7898AA81-E201-45E2-84CB-AB572F047112}"/>
+              </a:ext>
+            </a:extLst>
+          </p:cNvPr>
+          <p:cNvCxnSpPr>
+            <a:cxnSpLocks/>
+          </p:cNvCxnSpPr>
+          <p:nvPr/>
+        </p:nvCxnSpPr>
+        <p:spPr>
+          <a:xfrm>
+            <a:off x="1436918" y="3340360"/>
+            <a:ext cx="9089482" cy="0"/>
+          </a:xfrm>
+          <a:prstGeom prst="line">
+            <a:avLst/>
+          </a:prstGeom>
+          <a:ln w="38100">
+            <a:prstDash val="sysDash"/>
+          </a:ln>
+        </p:spPr>
+        <p:style>
+          <a:lnRef idx="1">
+            <a:schemeClr val="accent6"/>
+          </a:lnRef>
+          <a:fillRef idx="0">
+            <a:schemeClr val="accent6"/>
+          </a:fillRef>
+          <a:effectRef idx="0">
+            <a:schemeClr val="accent6"/>
+          </a:effectRef>
+          <a:fontRef idx="minor">
+            <a:schemeClr val="tx1"/>
+          </a:fontRef>
+        </p:style>
+      </p:cxnSp>
+      <p:sp>
+        <p:nvSpPr>
+          <p:cNvPr id="35" name="矩形 34">
+            <a:extLst>
+              <a:ext uri="{FF2B5EF4-FFF2-40B4-BE49-F238E27FC236}">
+                <a16:creationId xmlns:a16="http://schemas.microsoft.com/office/drawing/2014/main" id="{4D89F8D4-E041-4873-BF13-18EA13D69BF9}"/>
+              </a:ext>
+            </a:extLst>
+          </p:cNvPr>
+          <p:cNvSpPr/>
+          <p:nvPr/>
+        </p:nvSpPr>
+        <p:spPr>
+          <a:xfrm>
+            <a:off x="2481943" y="5621928"/>
+            <a:ext cx="1362268" cy="531510"/>
+          </a:xfrm>
+          <a:prstGeom prst="rect">
+            <a:avLst/>
+          </a:prstGeom>
+        </p:spPr>
+        <p:style>
+          <a:lnRef idx="2">
+            <a:schemeClr val="accent1">
+              <a:shade val="50000"/>
+            </a:schemeClr>
+          </a:lnRef>
+          <a:fillRef idx="1">
+            <a:schemeClr val="accent1"/>
+          </a:fillRef>
+          <a:effectRef idx="0">
+            <a:schemeClr val="accent1"/>
+          </a:effectRef>
+          <a:fontRef idx="minor">
+            <a:schemeClr val="lt1"/>
+          </a:fontRef>
+        </p:style>
+        <p:txBody>
+          <a:bodyPr rtlCol="0" anchor="ctr"/>
+          <a:lstStyle/>
+          <a:p>
+            <a:pPr algn="ctr"/>
+            <a:r>
+              <a:rPr lang="zh-CN" altLang="en-US" dirty="0"/>
+              <a:t>外部网卡</a:t>
+            </a:r>
+            <a:endParaRPr lang="en-US" altLang="zh-CN" dirty="0"/>
+          </a:p>
+        </p:txBody>
+      </p:sp>
+      <p:sp>
+        <p:nvSpPr>
+          <p:cNvPr id="13" name="矩形 12">
+            <a:extLst>
+              <a:ext uri="{FF2B5EF4-FFF2-40B4-BE49-F238E27FC236}">
+                <a16:creationId xmlns:a16="http://schemas.microsoft.com/office/drawing/2014/main" id="{46A69E47-4850-4A76-8959-BEB213693600}"/>
+              </a:ext>
+            </a:extLst>
+          </p:cNvPr>
+          <p:cNvSpPr/>
+          <p:nvPr/>
+        </p:nvSpPr>
+        <p:spPr>
+          <a:xfrm>
+            <a:off x="8142513" y="3781682"/>
+            <a:ext cx="1362268" cy="531510"/>
+          </a:xfrm>
+          <a:prstGeom prst="rect">
+            <a:avLst/>
+          </a:prstGeom>
+        </p:spPr>
+        <p:style>
+          <a:lnRef idx="2">
+            <a:schemeClr val="accent1">
+              <a:shade val="50000"/>
+            </a:schemeClr>
+          </a:lnRef>
+          <a:fillRef idx="1">
+            <a:schemeClr val="accent1"/>
+          </a:fillRef>
+          <a:effectRef idx="0">
+            <a:schemeClr val="accent1"/>
+          </a:effectRef>
+          <a:fontRef idx="minor">
+            <a:schemeClr val="lt1"/>
+          </a:fontRef>
+        </p:style>
+        <p:txBody>
+          <a:bodyPr rtlCol="0" anchor="ctr"/>
+          <a:lstStyle/>
+          <a:p>
+            <a:pPr algn="ctr"/>
+            <a:r>
+              <a:rPr lang="en-US" altLang="zh-CN" dirty="0"/>
+              <a:t>veth1</a:t>
+            </a:r>
+          </a:p>
+        </p:txBody>
+      </p:sp>
+      <p:sp>
+        <p:nvSpPr>
+          <p:cNvPr id="15" name="矩形 14">
+            <a:extLst>
+              <a:ext uri="{FF2B5EF4-FFF2-40B4-BE49-F238E27FC236}">
+                <a16:creationId xmlns:a16="http://schemas.microsoft.com/office/drawing/2014/main" id="{8155DAED-BBF0-4AA0-BA4D-B883EECC8139}"/>
+              </a:ext>
+            </a:extLst>
+          </p:cNvPr>
+          <p:cNvSpPr/>
+          <p:nvPr/>
+        </p:nvSpPr>
+        <p:spPr>
+          <a:xfrm>
+            <a:off x="6246847" y="3781682"/>
+            <a:ext cx="1362268" cy="531510"/>
+          </a:xfrm>
+          <a:prstGeom prst="rect">
+            <a:avLst/>
+          </a:prstGeom>
+        </p:spPr>
+        <p:style>
+          <a:lnRef idx="2">
+            <a:schemeClr val="accent1">
+              <a:shade val="50000"/>
+            </a:schemeClr>
+          </a:lnRef>
+          <a:fillRef idx="1">
+            <a:schemeClr val="accent1"/>
+          </a:fillRef>
+          <a:effectRef idx="0">
+            <a:schemeClr val="accent1"/>
+          </a:effectRef>
+          <a:fontRef idx="minor">
+            <a:schemeClr val="lt1"/>
+          </a:fontRef>
+        </p:style>
+        <p:txBody>
+          <a:bodyPr rtlCol="0" anchor="ctr"/>
+          <a:lstStyle/>
+          <a:p>
+            <a:pPr algn="ctr"/>
+            <a:r>
+              <a:rPr lang="en-US" altLang="zh-CN" dirty="0"/>
+              <a:t>veth0</a:t>
+            </a:r>
+          </a:p>
+        </p:txBody>
+      </p:sp>
+      <p:sp>
+        <p:nvSpPr>
+          <p:cNvPr id="17" name="箭头: 上下 16">
+            <a:extLst>
+              <a:ext uri="{FF2B5EF4-FFF2-40B4-BE49-F238E27FC236}">
+                <a16:creationId xmlns:a16="http://schemas.microsoft.com/office/drawing/2014/main" id="{F6CBF744-EB58-416E-8C30-6B341EBEC68D}"/>
+              </a:ext>
+            </a:extLst>
+          </p:cNvPr>
+          <p:cNvSpPr/>
+          <p:nvPr/>
+        </p:nvSpPr>
+        <p:spPr>
+          <a:xfrm>
+            <a:off x="8671247" y="3012826"/>
+            <a:ext cx="261257" cy="706978"/>
+          </a:xfrm>
+          <a:prstGeom prst="upDownArrow">
+            <a:avLst/>
+          </a:prstGeom>
+        </p:spPr>
+        <p:style>
+          <a:lnRef idx="2">
+            <a:schemeClr val="accent2">
+              <a:shade val="50000"/>
+            </a:schemeClr>
+          </a:lnRef>
+          <a:fillRef idx="1">
+            <a:schemeClr val="accent2"/>
+          </a:fillRef>
+          <a:effectRef idx="0">
+            <a:schemeClr val="accent2"/>
+          </a:effectRef>
+          <a:fontRef idx="minor">
+            <a:schemeClr val="lt1"/>
+          </a:fontRef>
+        </p:style>
+        <p:txBody>
+          <a:bodyPr rtlCol="0" anchor="ctr"/>
+          <a:lstStyle/>
+          <a:p>
+            <a:pPr algn="ctr"/>
+            <a:endParaRPr lang="zh-CN" altLang="en-US"/>
+          </a:p>
+        </p:txBody>
+      </p:sp>
+      <p:cxnSp>
+        <p:nvCxnSpPr>
+          <p:cNvPr id="24" name="连接符: 肘形 23">
+            <a:extLst>
+              <a:ext uri="{FF2B5EF4-FFF2-40B4-BE49-F238E27FC236}">
+                <a16:creationId xmlns:a16="http://schemas.microsoft.com/office/drawing/2014/main" id="{8A589C79-3D6E-4280-A71B-B8A20AA87BF2}"/>
+              </a:ext>
+            </a:extLst>
+          </p:cNvPr>
+          <p:cNvCxnSpPr>
+            <a:cxnSpLocks/>
+            <a:stCxn id="15" idx="2"/>
+            <a:endCxn id="13" idx="2"/>
+          </p:cNvCxnSpPr>
+          <p:nvPr/>
+        </p:nvCxnSpPr>
+        <p:spPr>
+          <a:xfrm rot="16200000" flipH="1">
+            <a:off x="7875814" y="3365359"/>
+            <a:ext cx="12700" cy="1895666"/>
+          </a:xfrm>
+          <a:prstGeom prst="bentConnector3">
+            <a:avLst>
+              <a:gd name="adj1" fmla="val 1800000"/>
+            </a:avLst>
+          </a:prstGeom>
+          <a:ln w="12700">
+            <a:prstDash val="sysDot"/>
+            <a:headEnd type="triangle"/>
+            <a:tailEnd type="triangle"/>
+          </a:ln>
+        </p:spPr>
+        <p:style>
+          <a:lnRef idx="1">
+            <a:schemeClr val="accent1"/>
+          </a:lnRef>
+          <a:fillRef idx="0">
+            <a:schemeClr val="accent1"/>
+          </a:fillRef>
+          <a:effectRef idx="0">
+            <a:schemeClr val="accent1"/>
+          </a:effectRef>
+          <a:fontRef idx="minor">
+            <a:schemeClr val="tx1"/>
+          </a:fontRef>
+        </p:style>
+      </p:cxnSp>
+      <p:sp>
+        <p:nvSpPr>
+          <p:cNvPr id="25" name="文本框 24">
+            <a:extLst>
+              <a:ext uri="{FF2B5EF4-FFF2-40B4-BE49-F238E27FC236}">
+                <a16:creationId xmlns:a16="http://schemas.microsoft.com/office/drawing/2014/main" id="{B9B5B60F-87A1-4370-B4B8-49058D98076C}"/>
+              </a:ext>
+            </a:extLst>
+          </p:cNvPr>
+          <p:cNvSpPr txBox="1"/>
+          <p:nvPr/>
+        </p:nvSpPr>
+        <p:spPr>
+          <a:xfrm>
+            <a:off x="4201890" y="4483264"/>
+            <a:ext cx="1250302" cy="369332"/>
+          </a:xfrm>
+          <a:prstGeom prst="rect">
+            <a:avLst/>
+          </a:prstGeom>
+          <a:noFill/>
+        </p:spPr>
+        <p:txBody>
+          <a:bodyPr wrap="square" rtlCol="0">
+            <a:spAutoFit/>
+          </a:bodyPr>
+          <a:lstStyle/>
+          <a:p>
+            <a:r>
+              <a:rPr lang="en-US" altLang="zh-CN" dirty="0"/>
+              <a:t>1.2.3.101</a:t>
+            </a:r>
+            <a:endParaRPr lang="zh-CN" altLang="en-US" dirty="0"/>
+          </a:p>
+        </p:txBody>
+      </p:sp>
+      <p:sp>
+        <p:nvSpPr>
+          <p:cNvPr id="26" name="文本框 25">
+            <a:extLst>
+              <a:ext uri="{FF2B5EF4-FFF2-40B4-BE49-F238E27FC236}">
+                <a16:creationId xmlns:a16="http://schemas.microsoft.com/office/drawing/2014/main" id="{16968228-C13D-4A97-9421-1D8E3B8CCCE0}"/>
+              </a:ext>
+            </a:extLst>
+          </p:cNvPr>
+          <p:cNvSpPr txBox="1"/>
+          <p:nvPr/>
+        </p:nvSpPr>
+        <p:spPr>
+          <a:xfrm>
+            <a:off x="8284029" y="4574575"/>
+            <a:ext cx="1250302" cy="369332"/>
+          </a:xfrm>
+          <a:prstGeom prst="rect">
+            <a:avLst/>
+          </a:prstGeom>
+          <a:noFill/>
+        </p:spPr>
+        <p:txBody>
+          <a:bodyPr wrap="square" rtlCol="0">
+            <a:spAutoFit/>
+          </a:bodyPr>
+          <a:lstStyle/>
+          <a:p>
+            <a:r>
+              <a:rPr lang="en-US" altLang="zh-CN" dirty="0"/>
+              <a:t>1.2.3.102</a:t>
+            </a:r>
+            <a:endParaRPr lang="zh-CN" altLang="en-US" dirty="0"/>
+          </a:p>
+        </p:txBody>
+      </p:sp>
+      <p:sp>
+        <p:nvSpPr>
+          <p:cNvPr id="29" name="文本框 28">
+            <a:extLst>
+              <a:ext uri="{FF2B5EF4-FFF2-40B4-BE49-F238E27FC236}">
+                <a16:creationId xmlns:a16="http://schemas.microsoft.com/office/drawing/2014/main" id="{D59E996A-2363-44B4-8F97-F83A5956D9A4}"/>
+              </a:ext>
+            </a:extLst>
+          </p:cNvPr>
+          <p:cNvSpPr txBox="1"/>
+          <p:nvPr/>
+        </p:nvSpPr>
+        <p:spPr>
+          <a:xfrm>
+            <a:off x="6000344" y="4852596"/>
+            <a:ext cx="1925216" cy="369332"/>
+          </a:xfrm>
+          <a:prstGeom prst="rect">
+            <a:avLst/>
+          </a:prstGeom>
+          <a:noFill/>
+        </p:spPr>
+        <p:txBody>
+          <a:bodyPr wrap="square" rtlCol="0">
+            <a:spAutoFit/>
+          </a:bodyPr>
+          <a:lstStyle/>
+          <a:p>
+            <a:r>
+              <a:rPr lang="en-US" altLang="zh-CN" dirty="0"/>
+              <a:t>66:72:a9:ae:06:1d</a:t>
+            </a:r>
+            <a:endParaRPr lang="zh-CN" altLang="en-US" dirty="0"/>
+          </a:p>
+        </p:txBody>
+      </p:sp>
+      <p:cxnSp>
+        <p:nvCxnSpPr>
+          <p:cNvPr id="30" name="连接符: 肘形 29">
+            <a:extLst>
+              <a:ext uri="{FF2B5EF4-FFF2-40B4-BE49-F238E27FC236}">
+                <a16:creationId xmlns:a16="http://schemas.microsoft.com/office/drawing/2014/main" id="{244B12C5-7C4E-4D62-B1C7-996E418A34E3}"/>
+              </a:ext>
+            </a:extLst>
+          </p:cNvPr>
+          <p:cNvCxnSpPr>
+            <a:cxnSpLocks/>
+          </p:cNvCxnSpPr>
+          <p:nvPr/>
+        </p:nvCxnSpPr>
+        <p:spPr>
+          <a:xfrm>
+            <a:off x="5549456" y="4052828"/>
+            <a:ext cx="546544" cy="959"/>
+          </a:xfrm>
+          <a:prstGeom prst="bentConnector3">
+            <a:avLst>
+              <a:gd name="adj1" fmla="val 50000"/>
+            </a:avLst>
+          </a:prstGeom>
+          <a:ln w="12700">
+            <a:prstDash val="sysDot"/>
+            <a:headEnd type="triangle"/>
+            <a:tailEnd type="triangle"/>
+          </a:ln>
+        </p:spPr>
+        <p:style>
+          <a:lnRef idx="1">
+            <a:schemeClr val="accent1"/>
+          </a:lnRef>
+          <a:fillRef idx="0">
+            <a:schemeClr val="accent1"/>
+          </a:fillRef>
+          <a:effectRef idx="0">
+            <a:schemeClr val="accent1"/>
+          </a:effectRef>
+          <a:fontRef idx="minor">
+            <a:schemeClr val="tx1"/>
+          </a:fontRef>
+        </p:style>
+      </p:cxnSp>
+      <p:sp>
+        <p:nvSpPr>
+          <p:cNvPr id="31" name="文本框 30">
+            <a:extLst>
+              <a:ext uri="{FF2B5EF4-FFF2-40B4-BE49-F238E27FC236}">
+                <a16:creationId xmlns:a16="http://schemas.microsoft.com/office/drawing/2014/main" id="{77294D28-F462-401B-AA85-047315AAB06A}"/>
+              </a:ext>
+            </a:extLst>
+          </p:cNvPr>
+          <p:cNvSpPr txBox="1"/>
+          <p:nvPr/>
+        </p:nvSpPr>
+        <p:spPr>
+          <a:xfrm>
+            <a:off x="3814020" y="4852596"/>
+            <a:ext cx="1925216" cy="369332"/>
+          </a:xfrm>
+          <a:prstGeom prst="rect">
+            <a:avLst/>
+          </a:prstGeom>
+          <a:noFill/>
+        </p:spPr>
+        <p:txBody>
+          <a:bodyPr wrap="square" rtlCol="0">
+            <a:spAutoFit/>
+          </a:bodyPr>
+          <a:lstStyle/>
+          <a:p>
+            <a:r>
+              <a:rPr lang="en-US" altLang="zh-CN" dirty="0"/>
+              <a:t>66:72:a9:ae:06:1d</a:t>
+            </a:r>
+            <a:endParaRPr lang="zh-CN" altLang="en-US" dirty="0"/>
+          </a:p>
+        </p:txBody>
+      </p:sp>
+      <p:sp>
+        <p:nvSpPr>
+          <p:cNvPr id="32" name="文本框 31">
+            <a:extLst>
+              <a:ext uri="{FF2B5EF4-FFF2-40B4-BE49-F238E27FC236}">
+                <a16:creationId xmlns:a16="http://schemas.microsoft.com/office/drawing/2014/main" id="{25D9026A-5319-4FDD-BB4C-1F5414CC743C}"/>
+              </a:ext>
+            </a:extLst>
+          </p:cNvPr>
+          <p:cNvSpPr txBox="1"/>
+          <p:nvPr/>
+        </p:nvSpPr>
+        <p:spPr>
+          <a:xfrm>
+            <a:off x="7861039" y="4856396"/>
+            <a:ext cx="1925216" cy="369332"/>
+          </a:xfrm>
+          <a:prstGeom prst="rect">
+            <a:avLst/>
+          </a:prstGeom>
+          <a:noFill/>
+        </p:spPr>
+        <p:txBody>
+          <a:bodyPr wrap="square" rtlCol="0">
+            <a:spAutoFit/>
+          </a:bodyPr>
+          <a:lstStyle/>
+          <a:p>
+            <a:r>
+              <a:rPr lang="en-US" altLang="zh-CN" dirty="0"/>
+              <a:t>0a:32:b0:18:a9:75</a:t>
+            </a:r>
+            <a:endParaRPr lang="zh-CN" altLang="en-US" dirty="0"/>
+          </a:p>
+        </p:txBody>
+      </p:sp>
+    </p:spTree>
+    <p:extLst>
+      <p:ext uri="{BB962C8B-B14F-4D97-AF65-F5344CB8AC3E}">
+        <p14:creationId xmlns:p14="http://schemas.microsoft.com/office/powerpoint/2010/main" val="703279810"/>
+      </p:ext>
+    </p:extLst>
+  </p:cSld>
+  <p:clrMapOvr>
+    <a:masterClrMapping/>
+  </p:clrMapOvr>
+</p:sld>
+</file>
+
+<file path=ppt/slides/slide9.xml><?xml version="1.0" encoding="utf-8"?>
+<p:sld xmlns:a="http://schemas.openxmlformats.org/drawingml/2006/main" xmlns:r="http://schemas.openxmlformats.org/officeDocument/2006/relationships" xmlns:p="http://schemas.openxmlformats.org/presentationml/2006/main">
+  <p:cSld>
+    <p:spTree>
+      <p:nvGrpSpPr>
+        <p:cNvPr id="1" name=""/>
+        <p:cNvGrpSpPr/>
+        <p:nvPr/>
+      </p:nvGrpSpPr>
+      <p:grpSpPr>
+        <a:xfrm>
+          <a:off x="0" y="0"/>
+          <a:ext cx="0" cy="0"/>
+          <a:chOff x="0" y="0"/>
+          <a:chExt cx="0" cy="0"/>
+        </a:xfrm>
+      </p:grpSpPr>
+      <p:sp>
+        <p:nvSpPr>
+          <p:cNvPr id="2" name="矩形 1">
+            <a:extLst>
+              <a:ext uri="{FF2B5EF4-FFF2-40B4-BE49-F238E27FC236}">
+                <a16:creationId xmlns:a16="http://schemas.microsoft.com/office/drawing/2014/main" id="{F2B6259C-D4F6-4BAD-A633-E58CE07B8DAD}"/>
+              </a:ext>
+            </a:extLst>
+          </p:cNvPr>
+          <p:cNvSpPr/>
+          <p:nvPr/>
+        </p:nvSpPr>
+        <p:spPr>
+          <a:xfrm>
+            <a:off x="1872342" y="2220686"/>
+            <a:ext cx="8020458" cy="2855164"/>
+          </a:xfrm>
+          <a:prstGeom prst="rect">
+            <a:avLst/>
+          </a:prstGeom>
+          <a:solidFill>
+            <a:schemeClr val="bg1"/>
+          </a:solidFill>
+          <a:ln>
+            <a:solidFill>
+              <a:schemeClr val="tx1"/>
+            </a:solidFill>
+          </a:ln>
+        </p:spPr>
+        <p:style>
+          <a:lnRef idx="2">
+            <a:schemeClr val="accent1">
+              <a:shade val="50000"/>
+            </a:schemeClr>
+          </a:lnRef>
+          <a:fillRef idx="1">
+            <a:schemeClr val="accent1"/>
+          </a:fillRef>
+          <a:effectRef idx="0">
+            <a:schemeClr val="accent1"/>
+          </a:effectRef>
+          <a:fontRef idx="minor">
+            <a:schemeClr val="lt1"/>
+          </a:fontRef>
+        </p:style>
+        <p:txBody>
+          <a:bodyPr rtlCol="0" anchor="ctr"/>
+          <a:lstStyle/>
+          <a:p>
+            <a:pPr algn="ctr"/>
+            <a:endParaRPr lang="zh-CN" altLang="en-US" dirty="0"/>
+          </a:p>
+        </p:txBody>
+      </p:sp>
+      <p:sp>
+        <p:nvSpPr>
+          <p:cNvPr id="14" name="文本框 13">
+            <a:extLst>
+              <a:ext uri="{FF2B5EF4-FFF2-40B4-BE49-F238E27FC236}">
+                <a16:creationId xmlns:a16="http://schemas.microsoft.com/office/drawing/2014/main" id="{C84EDF58-F679-4452-9D66-CF99AA9DE7DD}"/>
+              </a:ext>
+            </a:extLst>
+          </p:cNvPr>
+          <p:cNvSpPr txBox="1"/>
+          <p:nvPr/>
+        </p:nvSpPr>
+        <p:spPr>
+          <a:xfrm>
+            <a:off x="5452192" y="3567738"/>
+            <a:ext cx="1990530" cy="307777"/>
+          </a:xfrm>
+          <a:prstGeom prst="rect">
+            <a:avLst/>
+          </a:prstGeom>
+          <a:noFill/>
+        </p:spPr>
+        <p:txBody>
+          <a:bodyPr wrap="square" rtlCol="0">
+            <a:spAutoFit/>
+          </a:bodyPr>
+          <a:lstStyle/>
+          <a:p>
+            <a:r>
+              <a:rPr lang="en-US" altLang="zh-CN" sz="1400" dirty="0">
+                <a:solidFill>
+                  <a:schemeClr val="bg1"/>
+                </a:solidFill>
+              </a:rPr>
+              <a:t>Network namespace2</a:t>
+            </a:r>
+            <a:endParaRPr lang="zh-CN" altLang="en-US" sz="1400" dirty="0">
+              <a:solidFill>
+                <a:schemeClr val="bg1"/>
+              </a:solidFill>
+            </a:endParaRPr>
+          </a:p>
+        </p:txBody>
+      </p:sp>
+      <p:sp>
+        <p:nvSpPr>
+          <p:cNvPr id="16" name="矩形 15">
+            <a:extLst>
+              <a:ext uri="{FF2B5EF4-FFF2-40B4-BE49-F238E27FC236}">
+                <a16:creationId xmlns:a16="http://schemas.microsoft.com/office/drawing/2014/main" id="{9A4833B7-2E38-481E-ABF0-98E00E7A3515}"/>
+              </a:ext>
+            </a:extLst>
+          </p:cNvPr>
+          <p:cNvSpPr/>
+          <p:nvPr/>
+        </p:nvSpPr>
+        <p:spPr>
+          <a:xfrm>
+            <a:off x="2481944" y="2385862"/>
+            <a:ext cx="2239346" cy="531510"/>
+          </a:xfrm>
+          <a:prstGeom prst="rect">
+            <a:avLst/>
+          </a:prstGeom>
+        </p:spPr>
+        <p:style>
+          <a:lnRef idx="2">
+            <a:schemeClr val="accent3">
+              <a:shade val="50000"/>
+            </a:schemeClr>
+          </a:lnRef>
+          <a:fillRef idx="1">
+            <a:schemeClr val="accent3"/>
+          </a:fillRef>
+          <a:effectRef idx="0">
+            <a:schemeClr val="accent3"/>
+          </a:effectRef>
+          <a:fontRef idx="minor">
+            <a:schemeClr val="lt1"/>
+          </a:fontRef>
+        </p:style>
+        <p:txBody>
+          <a:bodyPr rtlCol="0" anchor="ctr"/>
+          <a:lstStyle/>
+          <a:p>
+            <a:pPr algn="ctr"/>
+            <a:r>
+              <a:rPr lang="zh-CN" altLang="en-US" dirty="0"/>
+              <a:t>主机网络协议栈</a:t>
+            </a:r>
+          </a:p>
+        </p:txBody>
+      </p:sp>
+      <p:sp>
+        <p:nvSpPr>
+          <p:cNvPr id="19" name="矩形 18">
+            <a:extLst>
+              <a:ext uri="{FF2B5EF4-FFF2-40B4-BE49-F238E27FC236}">
+                <a16:creationId xmlns:a16="http://schemas.microsoft.com/office/drawing/2014/main" id="{855A26B7-5B1F-42E1-92DA-0019EA227946}"/>
+              </a:ext>
+            </a:extLst>
+          </p:cNvPr>
+          <p:cNvSpPr/>
+          <p:nvPr/>
+        </p:nvSpPr>
+        <p:spPr>
+          <a:xfrm>
+            <a:off x="2442639" y="3788017"/>
+            <a:ext cx="688040" cy="283997"/>
+          </a:xfrm>
+          <a:prstGeom prst="rect">
+            <a:avLst/>
+          </a:prstGeom>
+        </p:spPr>
+        <p:style>
+          <a:lnRef idx="2">
+            <a:schemeClr val="accent1">
+              <a:shade val="50000"/>
+            </a:schemeClr>
+          </a:lnRef>
+          <a:fillRef idx="1">
+            <a:schemeClr val="accent1"/>
+          </a:fillRef>
+          <a:effectRef idx="0">
+            <a:schemeClr val="accent1"/>
+          </a:effectRef>
+          <a:fontRef idx="minor">
+            <a:schemeClr val="lt1"/>
+          </a:fontRef>
+        </p:style>
+        <p:txBody>
+          <a:bodyPr rtlCol="0" anchor="ctr"/>
+          <a:lstStyle/>
+          <a:p>
+            <a:pPr algn="ctr"/>
+            <a:r>
+              <a:rPr lang="en-US" altLang="zh-CN" sz="1400" dirty="0"/>
+              <a:t>ens33</a:t>
+            </a:r>
+          </a:p>
+        </p:txBody>
+      </p:sp>
+      <p:sp>
+        <p:nvSpPr>
+          <p:cNvPr id="22" name="箭头: 上下 21">
+            <a:extLst>
+              <a:ext uri="{FF2B5EF4-FFF2-40B4-BE49-F238E27FC236}">
+                <a16:creationId xmlns:a16="http://schemas.microsoft.com/office/drawing/2014/main" id="{D6F69B41-08C1-4A39-9781-EFA5662A493E}"/>
+              </a:ext>
+            </a:extLst>
+          </p:cNvPr>
+          <p:cNvSpPr/>
+          <p:nvPr/>
+        </p:nvSpPr>
+        <p:spPr>
+          <a:xfrm>
+            <a:off x="2759953" y="4185340"/>
+            <a:ext cx="133476" cy="1147802"/>
+          </a:xfrm>
+          <a:prstGeom prst="upDownArrow">
+            <a:avLst/>
+          </a:prstGeom>
+        </p:spPr>
+        <p:style>
+          <a:lnRef idx="2">
+            <a:schemeClr val="accent2">
+              <a:shade val="50000"/>
+            </a:schemeClr>
+          </a:lnRef>
+          <a:fillRef idx="1">
+            <a:schemeClr val="accent2"/>
+          </a:fillRef>
+          <a:effectRef idx="0">
+            <a:schemeClr val="accent2"/>
+          </a:effectRef>
+          <a:fontRef idx="minor">
+            <a:schemeClr val="lt1"/>
+          </a:fontRef>
+        </p:style>
+        <p:txBody>
+          <a:bodyPr rtlCol="0" anchor="ctr"/>
+          <a:lstStyle/>
+          <a:p>
+            <a:pPr algn="ctr"/>
+            <a:endParaRPr lang="zh-CN" altLang="en-US"/>
+          </a:p>
+        </p:txBody>
+      </p:sp>
+      <p:cxnSp>
+        <p:nvCxnSpPr>
+          <p:cNvPr id="11" name="直接连接符 10">
+            <a:extLst>
+              <a:ext uri="{FF2B5EF4-FFF2-40B4-BE49-F238E27FC236}">
+                <a16:creationId xmlns:a16="http://schemas.microsoft.com/office/drawing/2014/main" id="{7898AA81-E201-45E2-84CB-AB572F047112}"/>
+              </a:ext>
+            </a:extLst>
+          </p:cNvPr>
+          <p:cNvCxnSpPr>
+            <a:cxnSpLocks/>
+          </p:cNvCxnSpPr>
+          <p:nvPr/>
+        </p:nvCxnSpPr>
+        <p:spPr>
+          <a:xfrm>
+            <a:off x="1436918" y="3340360"/>
+            <a:ext cx="9089482" cy="0"/>
+          </a:xfrm>
+          <a:prstGeom prst="line">
+            <a:avLst/>
+          </a:prstGeom>
+          <a:ln w="38100">
+            <a:prstDash val="sysDash"/>
+          </a:ln>
+        </p:spPr>
+        <p:style>
+          <a:lnRef idx="1">
+            <a:schemeClr val="accent6"/>
+          </a:lnRef>
+          <a:fillRef idx="0">
+            <a:schemeClr val="accent6"/>
+          </a:fillRef>
+          <a:effectRef idx="0">
+            <a:schemeClr val="accent6"/>
+          </a:effectRef>
+          <a:fontRef idx="minor">
+            <a:schemeClr val="tx1"/>
+          </a:fontRef>
+        </p:style>
+      </p:cxnSp>
+      <p:sp>
+        <p:nvSpPr>
+          <p:cNvPr id="35" name="矩形 34">
+            <a:extLst>
+              <a:ext uri="{FF2B5EF4-FFF2-40B4-BE49-F238E27FC236}">
+                <a16:creationId xmlns:a16="http://schemas.microsoft.com/office/drawing/2014/main" id="{4D89F8D4-E041-4873-BF13-18EA13D69BF9}"/>
+              </a:ext>
+            </a:extLst>
+          </p:cNvPr>
+          <p:cNvSpPr/>
+          <p:nvPr/>
+        </p:nvSpPr>
+        <p:spPr>
+          <a:xfrm>
+            <a:off x="2269964" y="5501281"/>
+            <a:ext cx="1113454" cy="369738"/>
+          </a:xfrm>
+          <a:prstGeom prst="rect">
+            <a:avLst/>
+          </a:prstGeom>
+        </p:spPr>
+        <p:style>
+          <a:lnRef idx="2">
+            <a:schemeClr val="accent1">
+              <a:shade val="50000"/>
+            </a:schemeClr>
+          </a:lnRef>
+          <a:fillRef idx="1">
+            <a:schemeClr val="accent1"/>
+          </a:fillRef>
+          <a:effectRef idx="0">
+            <a:schemeClr val="accent1"/>
+          </a:effectRef>
+          <a:fontRef idx="minor">
+            <a:schemeClr val="lt1"/>
+          </a:fontRef>
+        </p:style>
+        <p:txBody>
+          <a:bodyPr rtlCol="0" anchor="ctr"/>
+          <a:lstStyle/>
+          <a:p>
+            <a:pPr algn="ctr"/>
+            <a:r>
+              <a:rPr lang="zh-CN" altLang="en-US" dirty="0"/>
+              <a:t>物理网络</a:t>
+            </a:r>
+            <a:endParaRPr lang="en-US" altLang="zh-CN" dirty="0"/>
+          </a:p>
+        </p:txBody>
+      </p:sp>
+      <p:cxnSp>
+        <p:nvCxnSpPr>
+          <p:cNvPr id="24" name="连接符: 肘形 23">
+            <a:extLst>
+              <a:ext uri="{FF2B5EF4-FFF2-40B4-BE49-F238E27FC236}">
+                <a16:creationId xmlns:a16="http://schemas.microsoft.com/office/drawing/2014/main" id="{8A589C79-3D6E-4280-A71B-B8A20AA87BF2}"/>
+              </a:ext>
+            </a:extLst>
+          </p:cNvPr>
+          <p:cNvCxnSpPr>
+            <a:cxnSpLocks/>
+            <a:stCxn id="40" idx="2"/>
+            <a:endCxn id="53" idx="2"/>
+          </p:cNvCxnSpPr>
+          <p:nvPr/>
+        </p:nvCxnSpPr>
+        <p:spPr>
+          <a:xfrm rot="5400000" flipH="1" flipV="1">
+            <a:off x="5575345" y="3228188"/>
+            <a:ext cx="1" cy="1675174"/>
+          </a:xfrm>
+          <a:prstGeom prst="bentConnector3">
+            <a:avLst>
+              <a:gd name="adj1" fmla="val -22860000000"/>
+            </a:avLst>
+          </a:prstGeom>
+          <a:ln w="12700">
+            <a:prstDash val="sysDot"/>
+            <a:headEnd type="triangle"/>
+            <a:tailEnd type="triangle"/>
+          </a:ln>
+        </p:spPr>
+        <p:style>
+          <a:lnRef idx="1">
+            <a:schemeClr val="accent1"/>
+          </a:lnRef>
+          <a:fillRef idx="0">
+            <a:schemeClr val="accent1"/>
+          </a:fillRef>
+          <a:effectRef idx="0">
+            <a:schemeClr val="accent1"/>
+          </a:effectRef>
+          <a:fontRef idx="minor">
+            <a:schemeClr val="tx1"/>
+          </a:fontRef>
+        </p:style>
+      </p:cxnSp>
+      <p:sp>
+        <p:nvSpPr>
+          <p:cNvPr id="25" name="文本框 24">
+            <a:extLst>
+              <a:ext uri="{FF2B5EF4-FFF2-40B4-BE49-F238E27FC236}">
+                <a16:creationId xmlns:a16="http://schemas.microsoft.com/office/drawing/2014/main" id="{B9B5B60F-87A1-4370-B4B8-49058D98076C}"/>
+              </a:ext>
+            </a:extLst>
+          </p:cNvPr>
+          <p:cNvSpPr txBox="1"/>
+          <p:nvPr/>
+        </p:nvSpPr>
+        <p:spPr>
+          <a:xfrm>
+            <a:off x="3454427" y="4058012"/>
+            <a:ext cx="1021938" cy="307777"/>
+          </a:xfrm>
+          <a:prstGeom prst="rect">
+            <a:avLst/>
+          </a:prstGeom>
+          <a:noFill/>
+        </p:spPr>
+        <p:txBody>
+          <a:bodyPr wrap="square" rtlCol="0">
+            <a:spAutoFit/>
+          </a:bodyPr>
+          <a:lstStyle/>
+          <a:p>
+            <a:r>
+              <a:rPr lang="en-US" altLang="zh-CN" sz="1400" dirty="0"/>
+              <a:t>1.2.3.101</a:t>
+            </a:r>
+            <a:endParaRPr lang="zh-CN" altLang="en-US" sz="1400" dirty="0"/>
+          </a:p>
+        </p:txBody>
+      </p:sp>
+      <p:sp>
+        <p:nvSpPr>
+          <p:cNvPr id="26" name="文本框 25">
+            <a:extLst>
+              <a:ext uri="{FF2B5EF4-FFF2-40B4-BE49-F238E27FC236}">
+                <a16:creationId xmlns:a16="http://schemas.microsoft.com/office/drawing/2014/main" id="{16968228-C13D-4A97-9421-1D8E3B8CCCE0}"/>
+              </a:ext>
+            </a:extLst>
+          </p:cNvPr>
+          <p:cNvSpPr txBox="1"/>
+          <p:nvPr/>
+        </p:nvSpPr>
+        <p:spPr>
+          <a:xfrm>
+            <a:off x="6386247" y="4043591"/>
+            <a:ext cx="1250302" cy="307777"/>
+          </a:xfrm>
+          <a:prstGeom prst="rect">
+            <a:avLst/>
+          </a:prstGeom>
+          <a:noFill/>
+        </p:spPr>
+        <p:txBody>
+          <a:bodyPr wrap="square" rtlCol="0">
+            <a:spAutoFit/>
+          </a:bodyPr>
+          <a:lstStyle/>
+          <a:p>
+            <a:r>
+              <a:rPr lang="en-US" altLang="zh-CN" sz="1400" dirty="0"/>
+              <a:t>1.2.3.102</a:t>
+            </a:r>
+            <a:endParaRPr lang="zh-CN" altLang="en-US" sz="1400" dirty="0"/>
+          </a:p>
+        </p:txBody>
+      </p:sp>
+      <p:cxnSp>
+        <p:nvCxnSpPr>
+          <p:cNvPr id="30" name="连接符: 肘形 29">
+            <a:extLst>
+              <a:ext uri="{FF2B5EF4-FFF2-40B4-BE49-F238E27FC236}">
+                <a16:creationId xmlns:a16="http://schemas.microsoft.com/office/drawing/2014/main" id="{244B12C5-7C4E-4D62-B1C7-996E418A34E3}"/>
+              </a:ext>
+            </a:extLst>
+          </p:cNvPr>
+          <p:cNvCxnSpPr>
+            <a:cxnSpLocks/>
+          </p:cNvCxnSpPr>
+          <p:nvPr/>
+        </p:nvCxnSpPr>
+        <p:spPr>
+          <a:xfrm>
+            <a:off x="9046611" y="688371"/>
+            <a:ext cx="496632" cy="813"/>
+          </a:xfrm>
+          <a:prstGeom prst="bentConnector3">
+            <a:avLst>
+              <a:gd name="adj1" fmla="val 50000"/>
+            </a:avLst>
+          </a:prstGeom>
+          <a:ln w="12700">
+            <a:prstDash val="sysDot"/>
+            <a:headEnd type="triangle"/>
+            <a:tailEnd type="triangle"/>
+          </a:ln>
+        </p:spPr>
+        <p:style>
+          <a:lnRef idx="1">
+            <a:schemeClr val="accent1"/>
+          </a:lnRef>
+          <a:fillRef idx="0">
+            <a:schemeClr val="accent1"/>
+          </a:fillRef>
+          <a:effectRef idx="0">
+            <a:schemeClr val="accent1"/>
+          </a:effectRef>
+          <a:fontRef idx="minor">
+            <a:schemeClr val="tx1"/>
+          </a:fontRef>
+        </p:style>
+      </p:cxnSp>
+      <p:sp>
+        <p:nvSpPr>
+          <p:cNvPr id="23" name="文本框 22">
+            <a:extLst>
+              <a:ext uri="{FF2B5EF4-FFF2-40B4-BE49-F238E27FC236}">
+                <a16:creationId xmlns:a16="http://schemas.microsoft.com/office/drawing/2014/main" id="{2A549565-830C-4F87-8960-4CFCE2EE5BFC}"/>
+              </a:ext>
+            </a:extLst>
+          </p:cNvPr>
+          <p:cNvSpPr txBox="1"/>
+          <p:nvPr/>
+        </p:nvSpPr>
+        <p:spPr>
+          <a:xfrm>
+            <a:off x="1750373" y="4080721"/>
+            <a:ext cx="1100832" cy="307777"/>
+          </a:xfrm>
+          <a:prstGeom prst="rect">
+            <a:avLst/>
+          </a:prstGeom>
+          <a:noFill/>
+        </p:spPr>
+        <p:txBody>
+          <a:bodyPr wrap="square" rtlCol="0">
+            <a:spAutoFit/>
+          </a:bodyPr>
+          <a:lstStyle/>
+          <a:p>
+            <a:r>
+              <a:rPr lang="en-US" altLang="zh-CN" sz="1400" dirty="0"/>
+              <a:t>10.20.30.91</a:t>
+            </a:r>
+            <a:endParaRPr lang="zh-CN" altLang="en-US" sz="1400" dirty="0"/>
+          </a:p>
+        </p:txBody>
+      </p:sp>
+      <p:sp>
+        <p:nvSpPr>
+          <p:cNvPr id="27" name="矩形 26">
+            <a:extLst>
+              <a:ext uri="{FF2B5EF4-FFF2-40B4-BE49-F238E27FC236}">
+                <a16:creationId xmlns:a16="http://schemas.microsoft.com/office/drawing/2014/main" id="{E9BFDC34-8F38-40CA-87CC-4E709F34294F}"/>
+              </a:ext>
+            </a:extLst>
+          </p:cNvPr>
+          <p:cNvSpPr/>
+          <p:nvPr/>
+        </p:nvSpPr>
+        <p:spPr>
+          <a:xfrm>
+            <a:off x="7795726" y="117711"/>
+            <a:ext cx="1113454" cy="369738"/>
+          </a:xfrm>
+          <a:prstGeom prst="rect">
+            <a:avLst/>
+          </a:prstGeom>
+        </p:spPr>
+        <p:style>
+          <a:lnRef idx="2">
+            <a:schemeClr val="accent1">
+              <a:shade val="50000"/>
+            </a:schemeClr>
+          </a:lnRef>
+          <a:fillRef idx="1">
+            <a:schemeClr val="accent1"/>
+          </a:fillRef>
+          <a:effectRef idx="0">
+            <a:schemeClr val="accent1"/>
+          </a:effectRef>
+          <a:fontRef idx="minor">
+            <a:schemeClr val="lt1"/>
+          </a:fontRef>
+        </p:style>
+        <p:txBody>
+          <a:bodyPr rtlCol="0" anchor="ctr"/>
+          <a:lstStyle/>
+          <a:p>
+            <a:pPr algn="ctr"/>
+            <a:r>
+              <a:rPr lang="en-US" altLang="zh-CN" dirty="0"/>
+              <a:t>veth0</a:t>
+            </a:r>
+          </a:p>
+        </p:txBody>
+      </p:sp>
+      <p:cxnSp>
+        <p:nvCxnSpPr>
+          <p:cNvPr id="28" name="连接符: 肘形 27">
+            <a:extLst>
+              <a:ext uri="{FF2B5EF4-FFF2-40B4-BE49-F238E27FC236}">
+                <a16:creationId xmlns:a16="http://schemas.microsoft.com/office/drawing/2014/main" id="{EF734527-F4AF-49D3-B289-C82D8671BC33}"/>
+              </a:ext>
+            </a:extLst>
+          </p:cNvPr>
+          <p:cNvCxnSpPr>
+            <a:cxnSpLocks/>
+          </p:cNvCxnSpPr>
+          <p:nvPr/>
+        </p:nvCxnSpPr>
+        <p:spPr>
+          <a:xfrm>
+            <a:off x="3147170" y="3942373"/>
+            <a:ext cx="275250" cy="2677"/>
+          </a:xfrm>
+          <a:prstGeom prst="bentConnector3">
+            <a:avLst>
+              <a:gd name="adj1" fmla="val 50000"/>
+            </a:avLst>
+          </a:prstGeom>
+          <a:ln w="12700">
+            <a:prstDash val="sysDot"/>
+            <a:headEnd type="triangle"/>
+            <a:tailEnd type="triangle"/>
+          </a:ln>
+        </p:spPr>
+        <p:style>
+          <a:lnRef idx="1">
+            <a:schemeClr val="accent1"/>
+          </a:lnRef>
+          <a:fillRef idx="0">
+            <a:schemeClr val="accent1"/>
+          </a:fillRef>
+          <a:effectRef idx="0">
+            <a:schemeClr val="accent1"/>
+          </a:effectRef>
+          <a:fontRef idx="minor">
+            <a:schemeClr val="tx1"/>
+          </a:fontRef>
+        </p:style>
+      </p:cxnSp>
+      <p:sp>
+        <p:nvSpPr>
+          <p:cNvPr id="33" name="矩形 32">
+            <a:extLst>
+              <a:ext uri="{FF2B5EF4-FFF2-40B4-BE49-F238E27FC236}">
+                <a16:creationId xmlns:a16="http://schemas.microsoft.com/office/drawing/2014/main" id="{49C90EB3-8D5F-42EF-8306-9ABA242B4D37}"/>
+              </a:ext>
+            </a:extLst>
+          </p:cNvPr>
+          <p:cNvSpPr/>
+          <p:nvPr/>
+        </p:nvSpPr>
+        <p:spPr>
+          <a:xfrm>
+            <a:off x="3487411" y="3781778"/>
+            <a:ext cx="688040" cy="283997"/>
+          </a:xfrm>
+          <a:prstGeom prst="rect">
+            <a:avLst/>
+          </a:prstGeom>
+        </p:spPr>
+        <p:style>
+          <a:lnRef idx="2">
+            <a:schemeClr val="accent1">
+              <a:shade val="50000"/>
+            </a:schemeClr>
+          </a:lnRef>
+          <a:fillRef idx="1">
+            <a:schemeClr val="accent1"/>
+          </a:fillRef>
+          <a:effectRef idx="0">
+            <a:schemeClr val="accent1"/>
+          </a:effectRef>
+          <a:fontRef idx="minor">
+            <a:schemeClr val="lt1"/>
+          </a:fontRef>
+        </p:style>
+        <p:txBody>
+          <a:bodyPr rtlCol="0" anchor="ctr"/>
+          <a:lstStyle/>
+          <a:p>
+            <a:pPr algn="ctr"/>
+            <a:r>
+              <a:rPr lang="en-US" altLang="zh-CN" sz="1400" dirty="0"/>
+              <a:t>br0</a:t>
+            </a:r>
+          </a:p>
+        </p:txBody>
+      </p:sp>
+      <p:sp>
+        <p:nvSpPr>
+          <p:cNvPr id="34" name="箭头: 上下 33">
+            <a:extLst>
+              <a:ext uri="{FF2B5EF4-FFF2-40B4-BE49-F238E27FC236}">
+                <a16:creationId xmlns:a16="http://schemas.microsoft.com/office/drawing/2014/main" id="{F8071E86-D909-4953-80EA-C64CDDC83B30}"/>
+              </a:ext>
+            </a:extLst>
+          </p:cNvPr>
+          <p:cNvSpPr/>
+          <p:nvPr/>
+        </p:nvSpPr>
+        <p:spPr>
+          <a:xfrm>
+            <a:off x="3754077" y="2980271"/>
+            <a:ext cx="154708" cy="740421"/>
+          </a:xfrm>
+          <a:prstGeom prst="upDownArrow">
+            <a:avLst/>
+          </a:prstGeom>
+        </p:spPr>
+        <p:style>
+          <a:lnRef idx="2">
+            <a:schemeClr val="accent2">
+              <a:shade val="50000"/>
+            </a:schemeClr>
+          </a:lnRef>
+          <a:fillRef idx="1">
+            <a:schemeClr val="accent2"/>
+          </a:fillRef>
+          <a:effectRef idx="0">
+            <a:schemeClr val="accent2"/>
+          </a:effectRef>
+          <a:fontRef idx="minor">
+            <a:schemeClr val="lt1"/>
+          </a:fontRef>
+        </p:style>
+        <p:txBody>
+          <a:bodyPr rtlCol="0" anchor="ctr"/>
+          <a:lstStyle/>
+          <a:p>
+            <a:pPr algn="ctr"/>
+            <a:endParaRPr lang="zh-CN" altLang="en-US"/>
+          </a:p>
+        </p:txBody>
+      </p:sp>
+      <p:sp>
+        <p:nvSpPr>
+          <p:cNvPr id="36" name="矩形 35">
+            <a:extLst>
+              <a:ext uri="{FF2B5EF4-FFF2-40B4-BE49-F238E27FC236}">
+                <a16:creationId xmlns:a16="http://schemas.microsoft.com/office/drawing/2014/main" id="{7A762D0B-7BBC-49BC-BA77-D33C3D03222B}"/>
+              </a:ext>
+            </a:extLst>
+          </p:cNvPr>
+          <p:cNvSpPr/>
+          <p:nvPr/>
+        </p:nvSpPr>
+        <p:spPr>
+          <a:xfrm>
+            <a:off x="3495068" y="4645552"/>
+            <a:ext cx="688040" cy="283997"/>
+          </a:xfrm>
+          <a:prstGeom prst="rect">
+            <a:avLst/>
+          </a:prstGeom>
+        </p:spPr>
+        <p:style>
+          <a:lnRef idx="2">
+            <a:schemeClr val="accent1">
+              <a:shade val="50000"/>
+            </a:schemeClr>
+          </a:lnRef>
+          <a:fillRef idx="1">
+            <a:schemeClr val="accent1"/>
+          </a:fillRef>
+          <a:effectRef idx="0">
+            <a:schemeClr val="accent1"/>
+          </a:effectRef>
+          <a:fontRef idx="minor">
+            <a:schemeClr val="lt1"/>
+          </a:fontRef>
+        </p:style>
+        <p:txBody>
+          <a:bodyPr rtlCol="0" anchor="ctr"/>
+          <a:lstStyle/>
+          <a:p>
+            <a:pPr algn="ctr"/>
+            <a:r>
+              <a:rPr lang="en-US" altLang="zh-CN" sz="1400" dirty="0" err="1"/>
+              <a:t>veth</a:t>
+            </a:r>
+            <a:endParaRPr lang="en-US" altLang="zh-CN" sz="1400" dirty="0"/>
+          </a:p>
+        </p:txBody>
+      </p:sp>
+      <p:cxnSp>
+        <p:nvCxnSpPr>
+          <p:cNvPr id="37" name="连接符: 肘形 36">
+            <a:extLst>
+              <a:ext uri="{FF2B5EF4-FFF2-40B4-BE49-F238E27FC236}">
+                <a16:creationId xmlns:a16="http://schemas.microsoft.com/office/drawing/2014/main" id="{A6F234AA-C114-42F9-BE12-E9128FBF72E8}"/>
+              </a:ext>
+            </a:extLst>
+          </p:cNvPr>
+          <p:cNvCxnSpPr>
+            <a:cxnSpLocks/>
+            <a:stCxn id="33" idx="2"/>
+            <a:endCxn id="36" idx="0"/>
+          </p:cNvCxnSpPr>
+          <p:nvPr/>
+        </p:nvCxnSpPr>
+        <p:spPr>
+          <a:xfrm rot="16200000" flipH="1">
+            <a:off x="3545371" y="4351834"/>
+            <a:ext cx="579777" cy="7657"/>
+          </a:xfrm>
+          <a:prstGeom prst="bentConnector3">
+            <a:avLst>
+              <a:gd name="adj1" fmla="val 50000"/>
+            </a:avLst>
+          </a:prstGeom>
+          <a:ln w="12700">
+            <a:prstDash val="sysDot"/>
+            <a:headEnd type="triangle"/>
+            <a:tailEnd type="triangle"/>
+          </a:ln>
+        </p:spPr>
+        <p:style>
+          <a:lnRef idx="1">
+            <a:schemeClr val="accent1"/>
+          </a:lnRef>
+          <a:fillRef idx="0">
+            <a:schemeClr val="accent1"/>
+          </a:fillRef>
+          <a:effectRef idx="0">
+            <a:schemeClr val="accent1"/>
+          </a:effectRef>
+          <a:fontRef idx="minor">
+            <a:schemeClr val="tx1"/>
+          </a:fontRef>
+        </p:style>
+      </p:cxnSp>
+      <p:sp>
+        <p:nvSpPr>
+          <p:cNvPr id="40" name="矩形 39">
+            <a:extLst>
+              <a:ext uri="{FF2B5EF4-FFF2-40B4-BE49-F238E27FC236}">
+                <a16:creationId xmlns:a16="http://schemas.microsoft.com/office/drawing/2014/main" id="{8812795B-365A-4B87-BA90-B8CF06053556}"/>
+              </a:ext>
+            </a:extLst>
+          </p:cNvPr>
+          <p:cNvSpPr/>
+          <p:nvPr/>
+        </p:nvSpPr>
+        <p:spPr>
+          <a:xfrm>
+            <a:off x="4393739" y="3781778"/>
+            <a:ext cx="688040" cy="283997"/>
+          </a:xfrm>
+          <a:prstGeom prst="rect">
+            <a:avLst/>
+          </a:prstGeom>
+        </p:spPr>
+        <p:style>
+          <a:lnRef idx="2">
+            <a:schemeClr val="accent1">
+              <a:shade val="50000"/>
+            </a:schemeClr>
+          </a:lnRef>
+          <a:fillRef idx="1">
+            <a:schemeClr val="accent1"/>
+          </a:fillRef>
+          <a:effectRef idx="0">
+            <a:schemeClr val="accent1"/>
+          </a:effectRef>
+          <a:fontRef idx="minor">
+            <a:schemeClr val="lt1"/>
+          </a:fontRef>
+        </p:style>
+        <p:txBody>
+          <a:bodyPr rtlCol="0" anchor="ctr"/>
+          <a:lstStyle/>
+          <a:p>
+            <a:pPr algn="ctr"/>
+            <a:r>
+              <a:rPr lang="en-US" altLang="zh-CN" sz="1400" dirty="0" err="1"/>
+              <a:t>veth</a:t>
+            </a:r>
+            <a:endParaRPr lang="en-US" altLang="zh-CN" sz="1400" dirty="0"/>
+          </a:p>
+        </p:txBody>
+      </p:sp>
+      <p:cxnSp>
+        <p:nvCxnSpPr>
+          <p:cNvPr id="41" name="连接符: 肘形 40">
+            <a:extLst>
+              <a:ext uri="{FF2B5EF4-FFF2-40B4-BE49-F238E27FC236}">
+                <a16:creationId xmlns:a16="http://schemas.microsoft.com/office/drawing/2014/main" id="{A4C4CEBD-7217-43EB-80DE-C9522FAF159A}"/>
+              </a:ext>
+            </a:extLst>
+          </p:cNvPr>
+          <p:cNvCxnSpPr>
+            <a:cxnSpLocks/>
+            <a:stCxn id="40" idx="1"/>
+          </p:cNvCxnSpPr>
+          <p:nvPr/>
+        </p:nvCxnSpPr>
+        <p:spPr>
+          <a:xfrm rot="10800000">
+            <a:off x="4175453" y="3923777"/>
+            <a:ext cx="218286" cy="12700"/>
+          </a:xfrm>
+          <a:prstGeom prst="bentConnector3">
+            <a:avLst>
+              <a:gd name="adj1" fmla="val 50000"/>
+            </a:avLst>
+          </a:prstGeom>
+          <a:ln w="12700">
+            <a:prstDash val="sysDot"/>
+            <a:headEnd type="triangle"/>
+            <a:tailEnd type="triangle"/>
+          </a:ln>
+        </p:spPr>
+        <p:style>
+          <a:lnRef idx="1">
+            <a:schemeClr val="accent1"/>
+          </a:lnRef>
+          <a:fillRef idx="0">
+            <a:schemeClr val="accent1"/>
+          </a:fillRef>
+          <a:effectRef idx="0">
+            <a:schemeClr val="accent1"/>
+          </a:effectRef>
+          <a:fontRef idx="minor">
+            <a:schemeClr val="tx1"/>
+          </a:fontRef>
+        </p:style>
+      </p:cxnSp>
+      <p:cxnSp>
+        <p:nvCxnSpPr>
+          <p:cNvPr id="46" name="直接连接符 45">
+            <a:extLst>
+              <a:ext uri="{FF2B5EF4-FFF2-40B4-BE49-F238E27FC236}">
+                <a16:creationId xmlns:a16="http://schemas.microsoft.com/office/drawing/2014/main" id="{6DDB445C-7436-42BE-8CC6-C84A98DDFB35}"/>
+              </a:ext>
+            </a:extLst>
+          </p:cNvPr>
+          <p:cNvCxnSpPr>
+            <a:cxnSpLocks/>
+          </p:cNvCxnSpPr>
+          <p:nvPr/>
+        </p:nvCxnSpPr>
+        <p:spPr>
+          <a:xfrm>
+            <a:off x="5212702" y="1872343"/>
+            <a:ext cx="67106" cy="5032310"/>
+          </a:xfrm>
+          <a:prstGeom prst="line">
+            <a:avLst/>
+          </a:prstGeom>
+          <a:ln w="38100">
+            <a:prstDash val="sysDash"/>
+          </a:ln>
+        </p:spPr>
+        <p:style>
+          <a:lnRef idx="1">
+            <a:schemeClr val="accent6"/>
+          </a:lnRef>
+          <a:fillRef idx="0">
+            <a:schemeClr val="accent6"/>
+          </a:fillRef>
+          <a:effectRef idx="0">
+            <a:schemeClr val="accent6"/>
+          </a:effectRef>
+          <a:fontRef idx="minor">
+            <a:schemeClr val="tx1"/>
+          </a:fontRef>
+        </p:style>
+      </p:cxnSp>
+      <p:cxnSp>
+        <p:nvCxnSpPr>
+          <p:cNvPr id="49" name="直接连接符 48">
+            <a:extLst>
+              <a:ext uri="{FF2B5EF4-FFF2-40B4-BE49-F238E27FC236}">
+                <a16:creationId xmlns:a16="http://schemas.microsoft.com/office/drawing/2014/main" id="{D8233C05-8465-4B7A-BAB4-C5C627B9A299}"/>
+              </a:ext>
+            </a:extLst>
+          </p:cNvPr>
+          <p:cNvCxnSpPr>
+            <a:cxnSpLocks/>
+          </p:cNvCxnSpPr>
+          <p:nvPr/>
+        </p:nvCxnSpPr>
+        <p:spPr>
+          <a:xfrm>
+            <a:off x="7486938" y="1872343"/>
+            <a:ext cx="67106" cy="5032310"/>
+          </a:xfrm>
+          <a:prstGeom prst="line">
+            <a:avLst/>
+          </a:prstGeom>
+          <a:ln w="38100">
+            <a:prstDash val="sysDash"/>
+          </a:ln>
+        </p:spPr>
+        <p:style>
+          <a:lnRef idx="1">
+            <a:schemeClr val="accent6"/>
+          </a:lnRef>
+          <a:fillRef idx="0">
+            <a:schemeClr val="accent6"/>
+          </a:fillRef>
+          <a:effectRef idx="0">
+            <a:schemeClr val="accent6"/>
+          </a:effectRef>
+          <a:fontRef idx="minor">
+            <a:schemeClr val="tx1"/>
+          </a:fontRef>
+        </p:style>
+      </p:cxnSp>
+      <p:sp>
+        <p:nvSpPr>
+          <p:cNvPr id="50" name="矩形 49">
+            <a:extLst>
+              <a:ext uri="{FF2B5EF4-FFF2-40B4-BE49-F238E27FC236}">
+                <a16:creationId xmlns:a16="http://schemas.microsoft.com/office/drawing/2014/main" id="{6DC3ADE0-783A-42A3-A892-A6CA329BE804}"/>
+              </a:ext>
+            </a:extLst>
+          </p:cNvPr>
+          <p:cNvSpPr/>
+          <p:nvPr/>
+        </p:nvSpPr>
+        <p:spPr>
+          <a:xfrm>
+            <a:off x="5426237" y="2407766"/>
+            <a:ext cx="1874083" cy="531510"/>
+          </a:xfrm>
+          <a:prstGeom prst="rect">
+            <a:avLst/>
+          </a:prstGeom>
+        </p:spPr>
+        <p:style>
+          <a:lnRef idx="2">
+            <a:schemeClr val="accent3">
+              <a:shade val="50000"/>
+            </a:schemeClr>
+          </a:lnRef>
+          <a:fillRef idx="1">
+            <a:schemeClr val="accent3"/>
+          </a:fillRef>
+          <a:effectRef idx="0">
+            <a:schemeClr val="accent3"/>
+          </a:effectRef>
+          <a:fontRef idx="minor">
+            <a:schemeClr val="lt1"/>
+          </a:fontRef>
+        </p:style>
+        <p:txBody>
+          <a:bodyPr rtlCol="0" anchor="ctr"/>
+          <a:lstStyle/>
+          <a:p>
+            <a:pPr algn="ctr"/>
+            <a:r>
+              <a:rPr lang="zh-CN" altLang="en-US" dirty="0"/>
+              <a:t>容器网络协议栈</a:t>
+            </a:r>
+          </a:p>
+        </p:txBody>
+      </p:sp>
+      <p:sp>
+        <p:nvSpPr>
+          <p:cNvPr id="52" name="矩形 51">
+            <a:extLst>
+              <a:ext uri="{FF2B5EF4-FFF2-40B4-BE49-F238E27FC236}">
+                <a16:creationId xmlns:a16="http://schemas.microsoft.com/office/drawing/2014/main" id="{401C93AB-EC33-4AE8-8E7D-7FEF8EE80402}"/>
+              </a:ext>
+            </a:extLst>
+          </p:cNvPr>
+          <p:cNvSpPr/>
+          <p:nvPr/>
+        </p:nvSpPr>
+        <p:spPr>
+          <a:xfrm>
+            <a:off x="7749505" y="2424673"/>
+            <a:ext cx="1874083" cy="531510"/>
+          </a:xfrm>
+          <a:prstGeom prst="rect">
+            <a:avLst/>
+          </a:prstGeom>
+        </p:spPr>
+        <p:style>
+          <a:lnRef idx="2">
+            <a:schemeClr val="accent3">
+              <a:shade val="50000"/>
+            </a:schemeClr>
+          </a:lnRef>
+          <a:fillRef idx="1">
+            <a:schemeClr val="accent3"/>
+          </a:fillRef>
+          <a:effectRef idx="0">
+            <a:schemeClr val="accent3"/>
+          </a:effectRef>
+          <a:fontRef idx="minor">
+            <a:schemeClr val="lt1"/>
+          </a:fontRef>
+        </p:style>
+        <p:txBody>
+          <a:bodyPr rtlCol="0" anchor="ctr"/>
+          <a:lstStyle/>
+          <a:p>
+            <a:pPr algn="ctr"/>
+            <a:r>
+              <a:rPr lang="zh-CN" altLang="en-US" dirty="0"/>
+              <a:t>容器网络协议栈</a:t>
+            </a:r>
+          </a:p>
+        </p:txBody>
+      </p:sp>
+      <p:sp>
+        <p:nvSpPr>
+          <p:cNvPr id="53" name="矩形 52">
+            <a:extLst>
+              <a:ext uri="{FF2B5EF4-FFF2-40B4-BE49-F238E27FC236}">
+                <a16:creationId xmlns:a16="http://schemas.microsoft.com/office/drawing/2014/main" id="{302CC297-F31A-416F-96E1-35EB2E77EEE9}"/>
+              </a:ext>
+            </a:extLst>
+          </p:cNvPr>
+          <p:cNvSpPr/>
+          <p:nvPr/>
+        </p:nvSpPr>
+        <p:spPr>
+          <a:xfrm>
+            <a:off x="6068913" y="3781777"/>
+            <a:ext cx="688040" cy="283997"/>
+          </a:xfrm>
+          <a:prstGeom prst="rect">
+            <a:avLst/>
+          </a:prstGeom>
+        </p:spPr>
+        <p:style>
+          <a:lnRef idx="2">
+            <a:schemeClr val="accent1">
+              <a:shade val="50000"/>
+            </a:schemeClr>
+          </a:lnRef>
+          <a:fillRef idx="1">
+            <a:schemeClr val="accent1"/>
+          </a:fillRef>
+          <a:effectRef idx="0">
+            <a:schemeClr val="accent1"/>
+          </a:effectRef>
+          <a:fontRef idx="minor">
+            <a:schemeClr val="lt1"/>
+          </a:fontRef>
+        </p:style>
+        <p:txBody>
+          <a:bodyPr rtlCol="0" anchor="ctr"/>
+          <a:lstStyle/>
+          <a:p>
+            <a:pPr algn="ctr"/>
+            <a:r>
+              <a:rPr lang="en-US" altLang="zh-CN" sz="1400" dirty="0"/>
+              <a:t>ens33</a:t>
+            </a:r>
+          </a:p>
+        </p:txBody>
+      </p:sp>
+      <p:cxnSp>
+        <p:nvCxnSpPr>
+          <p:cNvPr id="54" name="连接符: 肘形 53">
+            <a:extLst>
+              <a:ext uri="{FF2B5EF4-FFF2-40B4-BE49-F238E27FC236}">
+                <a16:creationId xmlns:a16="http://schemas.microsoft.com/office/drawing/2014/main" id="{FDCE64F1-68DC-4C45-9CBB-AB300A33AD1C}"/>
+              </a:ext>
+            </a:extLst>
+          </p:cNvPr>
+          <p:cNvCxnSpPr>
+            <a:cxnSpLocks/>
+            <a:endCxn id="59" idx="2"/>
+          </p:cNvCxnSpPr>
+          <p:nvPr/>
+        </p:nvCxnSpPr>
+        <p:spPr>
+          <a:xfrm flipV="1">
+            <a:off x="4183108" y="4072125"/>
+            <a:ext cx="4540314" cy="725413"/>
+          </a:xfrm>
+          <a:prstGeom prst="bentConnector2">
+            <a:avLst/>
+          </a:prstGeom>
+          <a:ln w="12700">
+            <a:prstDash val="sysDot"/>
+            <a:headEnd type="triangle"/>
+            <a:tailEnd type="triangle"/>
+          </a:ln>
+        </p:spPr>
+        <p:style>
+          <a:lnRef idx="1">
+            <a:schemeClr val="accent1"/>
+          </a:lnRef>
+          <a:fillRef idx="0">
+            <a:schemeClr val="accent1"/>
+          </a:fillRef>
+          <a:effectRef idx="0">
+            <a:schemeClr val="accent1"/>
+          </a:effectRef>
+          <a:fontRef idx="minor">
+            <a:schemeClr val="tx1"/>
+          </a:fontRef>
+        </p:style>
+      </p:cxnSp>
+      <p:sp>
+        <p:nvSpPr>
+          <p:cNvPr id="59" name="矩形 58">
+            <a:extLst>
+              <a:ext uri="{FF2B5EF4-FFF2-40B4-BE49-F238E27FC236}">
+                <a16:creationId xmlns:a16="http://schemas.microsoft.com/office/drawing/2014/main" id="{0CB5E6ED-3EF6-4DBE-9503-C5701F620A6B}"/>
+              </a:ext>
+            </a:extLst>
+          </p:cNvPr>
+          <p:cNvSpPr/>
+          <p:nvPr/>
+        </p:nvSpPr>
+        <p:spPr>
+          <a:xfrm>
+            <a:off x="8379402" y="3788128"/>
+            <a:ext cx="688040" cy="283997"/>
+          </a:xfrm>
+          <a:prstGeom prst="rect">
+            <a:avLst/>
+          </a:prstGeom>
+        </p:spPr>
+        <p:style>
+          <a:lnRef idx="2">
+            <a:schemeClr val="accent1">
+              <a:shade val="50000"/>
+            </a:schemeClr>
+          </a:lnRef>
+          <a:fillRef idx="1">
+            <a:schemeClr val="accent1"/>
+          </a:fillRef>
+          <a:effectRef idx="0">
+            <a:schemeClr val="accent1"/>
+          </a:effectRef>
+          <a:fontRef idx="minor">
+            <a:schemeClr val="lt1"/>
+          </a:fontRef>
+        </p:style>
+        <p:txBody>
+          <a:bodyPr rtlCol="0" anchor="ctr"/>
+          <a:lstStyle/>
+          <a:p>
+            <a:pPr algn="ctr"/>
+            <a:r>
+              <a:rPr lang="en-US" altLang="zh-CN" sz="1400" dirty="0"/>
+              <a:t>ens33</a:t>
+            </a:r>
+          </a:p>
+        </p:txBody>
+      </p:sp>
+      <p:sp>
+        <p:nvSpPr>
+          <p:cNvPr id="60" name="文本框 59">
+            <a:extLst>
+              <a:ext uri="{FF2B5EF4-FFF2-40B4-BE49-F238E27FC236}">
+                <a16:creationId xmlns:a16="http://schemas.microsoft.com/office/drawing/2014/main" id="{0D80C3B1-C0D7-4C8B-9E02-83E7DCFD51A4}"/>
+              </a:ext>
+            </a:extLst>
+          </p:cNvPr>
+          <p:cNvSpPr txBox="1"/>
+          <p:nvPr/>
+        </p:nvSpPr>
+        <p:spPr>
+          <a:xfrm>
+            <a:off x="8909180" y="4136387"/>
+            <a:ext cx="1250302" cy="307777"/>
+          </a:xfrm>
+          <a:prstGeom prst="rect">
+            <a:avLst/>
+          </a:prstGeom>
+          <a:noFill/>
+        </p:spPr>
+        <p:txBody>
+          <a:bodyPr wrap="square" rtlCol="0">
+            <a:spAutoFit/>
+          </a:bodyPr>
+          <a:lstStyle/>
+          <a:p>
+            <a:r>
+              <a:rPr lang="en-US" altLang="zh-CN" sz="1400" dirty="0"/>
+              <a:t>1.2.3.103</a:t>
+            </a:r>
+            <a:endParaRPr lang="zh-CN" altLang="en-US" sz="1400" dirty="0"/>
+          </a:p>
+        </p:txBody>
+      </p:sp>
+      <p:sp>
+        <p:nvSpPr>
+          <p:cNvPr id="62" name="箭头: 上下 61">
+            <a:extLst>
+              <a:ext uri="{FF2B5EF4-FFF2-40B4-BE49-F238E27FC236}">
+                <a16:creationId xmlns:a16="http://schemas.microsoft.com/office/drawing/2014/main" id="{A86E4B27-D92B-4026-AB11-8DFBEE869D91}"/>
+              </a:ext>
+            </a:extLst>
+          </p:cNvPr>
+          <p:cNvSpPr/>
+          <p:nvPr/>
+        </p:nvSpPr>
+        <p:spPr>
+          <a:xfrm>
+            <a:off x="6402015" y="2976711"/>
+            <a:ext cx="154708" cy="740421"/>
+          </a:xfrm>
+          <a:prstGeom prst="upDownArrow">
+            <a:avLst/>
+          </a:prstGeom>
+        </p:spPr>
+        <p:style>
+          <a:lnRef idx="2">
+            <a:schemeClr val="accent2">
+              <a:shade val="50000"/>
+            </a:schemeClr>
+          </a:lnRef>
+          <a:fillRef idx="1">
+            <a:schemeClr val="accent2"/>
+          </a:fillRef>
+          <a:effectRef idx="0">
+            <a:schemeClr val="accent2"/>
+          </a:effectRef>
+          <a:fontRef idx="minor">
+            <a:schemeClr val="lt1"/>
+          </a:fontRef>
+        </p:style>
+        <p:txBody>
+          <a:bodyPr rtlCol="0" anchor="ctr"/>
+          <a:lstStyle/>
+          <a:p>
+            <a:pPr algn="ctr"/>
+            <a:endParaRPr lang="zh-CN" altLang="en-US"/>
+          </a:p>
+        </p:txBody>
+      </p:sp>
+      <p:sp>
+        <p:nvSpPr>
+          <p:cNvPr id="63" name="箭头: 上下 62">
+            <a:extLst>
+              <a:ext uri="{FF2B5EF4-FFF2-40B4-BE49-F238E27FC236}">
+                <a16:creationId xmlns:a16="http://schemas.microsoft.com/office/drawing/2014/main" id="{75CBB3DC-B96E-4B31-829F-8FC4135C6A07}"/>
+              </a:ext>
+            </a:extLst>
+          </p:cNvPr>
+          <p:cNvSpPr/>
+          <p:nvPr/>
+        </p:nvSpPr>
+        <p:spPr>
+          <a:xfrm>
+            <a:off x="8654735" y="3026070"/>
+            <a:ext cx="154708" cy="740421"/>
+          </a:xfrm>
+          <a:prstGeom prst="upDownArrow">
+            <a:avLst/>
+          </a:prstGeom>
+        </p:spPr>
+        <p:style>
+          <a:lnRef idx="2">
+            <a:schemeClr val="accent2">
+              <a:shade val="50000"/>
+            </a:schemeClr>
+          </a:lnRef>
+          <a:fillRef idx="1">
+            <a:schemeClr val="accent2"/>
+          </a:fillRef>
+          <a:effectRef idx="0">
+            <a:schemeClr val="accent2"/>
+          </a:effectRef>
+          <a:fontRef idx="minor">
+            <a:schemeClr val="lt1"/>
+          </a:fontRef>
+        </p:style>
+        <p:txBody>
+          <a:bodyPr rtlCol="0" anchor="ctr"/>
+          <a:lstStyle/>
+          <a:p>
+            <a:pPr algn="ctr"/>
+            <a:endParaRPr lang="zh-CN" altLang="en-US"/>
+          </a:p>
+        </p:txBody>
+      </p:sp>
+      <p:sp>
+        <p:nvSpPr>
+          <p:cNvPr id="66" name="文本框 65">
+            <a:extLst>
+              <a:ext uri="{FF2B5EF4-FFF2-40B4-BE49-F238E27FC236}">
+                <a16:creationId xmlns:a16="http://schemas.microsoft.com/office/drawing/2014/main" id="{2A650756-A8D6-4818-B784-2EFC10C667E2}"/>
+              </a:ext>
+            </a:extLst>
+          </p:cNvPr>
+          <p:cNvSpPr txBox="1"/>
+          <p:nvPr/>
+        </p:nvSpPr>
+        <p:spPr>
+          <a:xfrm>
+            <a:off x="2269963" y="5943733"/>
+            <a:ext cx="1406297" cy="307777"/>
+          </a:xfrm>
+          <a:prstGeom prst="rect">
+            <a:avLst/>
+          </a:prstGeom>
+          <a:noFill/>
+        </p:spPr>
+        <p:txBody>
+          <a:bodyPr wrap="square" rtlCol="0">
+            <a:spAutoFit/>
+          </a:bodyPr>
+          <a:lstStyle/>
+          <a:p>
+            <a:r>
+              <a:rPr lang="en-US" altLang="zh-CN" sz="1400" dirty="0"/>
+              <a:t>10.20.30.0/24</a:t>
+            </a:r>
+            <a:endParaRPr lang="zh-CN" altLang="en-US" sz="1400" dirty="0"/>
+          </a:p>
+        </p:txBody>
+      </p:sp>
+    </p:spTree>
+    <p:extLst>
+      <p:ext uri="{BB962C8B-B14F-4D97-AF65-F5344CB8AC3E}">
+        <p14:creationId xmlns:p14="http://schemas.microsoft.com/office/powerpoint/2010/main" val="4170145637"/>
+      </p:ext>
+    </p:extLst>
+  </p:cSld>
+  <p:clrMapOvr>
+    <a:masterClrMapping/>
+  </p:clrMapOvr>
+</p:sld>
+</file>
+
 <file path=ppt/theme/theme1.xml><?xml version="1.0" encoding="utf-8"?>
 <a:theme xmlns:a="http://schemas.openxmlformats.org/drawingml/2006/main" name="Office 主题​​">
   <a:themeElements>
